--- a/slutprojekt/skisser och mockups/Mockup.pptx
+++ b/slutprojekt/skisser och mockups/Mockup.pptx
@@ -4,6 +4,9 @@
   <p:sldMasterIdLst>
     <p:sldMasterId id="2147483648" r:id="rId1"/>
   </p:sldMasterIdLst>
+  <p:notesMasterIdLst>
+    <p:notesMasterId r:id="rId3"/>
+  </p:notesMasterIdLst>
   <p:sldIdLst>
     <p:sldId id="256" r:id="rId2"/>
   </p:sldIdLst>
@@ -112,6 +115,440 @@
 </p:presentation>
 </file>
 
+<file path=ppt/notesMasters/notesMaster1.xml><?xml version="1.0" encoding="utf-8"?>
+<p:notesMaster xmlns:a="http://schemas.openxmlformats.org/drawingml/2006/main" xmlns:r="http://schemas.openxmlformats.org/officeDocument/2006/relationships" xmlns:p="http://schemas.openxmlformats.org/presentationml/2006/main">
+  <p:cSld>
+    <p:bg>
+      <p:bgRef idx="1001">
+        <a:schemeClr val="bg1"/>
+      </p:bgRef>
+    </p:bg>
+    <p:spTree>
+      <p:nvGrpSpPr>
+        <p:cNvPr id="1" name=""/>
+        <p:cNvGrpSpPr/>
+        <p:nvPr/>
+      </p:nvGrpSpPr>
+      <p:grpSpPr>
+        <a:xfrm>
+          <a:off x="0" y="0"/>
+          <a:ext cx="0" cy="0"/>
+          <a:chOff x="0" y="0"/>
+          <a:chExt cx="0" cy="0"/>
+        </a:xfrm>
+      </p:grpSpPr>
+      <p:sp>
+        <p:nvSpPr>
+          <p:cNvPr id="2" name="Platshållare för sidhuvud 1"/>
+          <p:cNvSpPr>
+            <a:spLocks noGrp="1"/>
+          </p:cNvSpPr>
+          <p:nvPr>
+            <p:ph type="hdr" sz="quarter"/>
+          </p:nvPr>
+        </p:nvSpPr>
+        <p:spPr>
+          <a:xfrm>
+            <a:off x="0" y="0"/>
+            <a:ext cx="2971800" cy="458788"/>
+          </a:xfrm>
+          <a:prstGeom prst="rect">
+            <a:avLst/>
+          </a:prstGeom>
+        </p:spPr>
+        <p:txBody>
+          <a:bodyPr vert="horz" lIns="91440" tIns="45720" rIns="91440" bIns="45720" rtlCol="0"/>
+          <a:lstStyle>
+            <a:lvl1pPr algn="l">
+              <a:defRPr sz="1200"/>
+            </a:lvl1pPr>
+          </a:lstStyle>
+          <a:p>
+            <a:endParaRPr lang="sv-SE"/>
+          </a:p>
+        </p:txBody>
+      </p:sp>
+      <p:sp>
+        <p:nvSpPr>
+          <p:cNvPr id="3" name="Platshållare för datum 2"/>
+          <p:cNvSpPr>
+            <a:spLocks noGrp="1"/>
+          </p:cNvSpPr>
+          <p:nvPr>
+            <p:ph type="dt" idx="1"/>
+          </p:nvPr>
+        </p:nvSpPr>
+        <p:spPr>
+          <a:xfrm>
+            <a:off x="3884613" y="0"/>
+            <a:ext cx="2971800" cy="458788"/>
+          </a:xfrm>
+          <a:prstGeom prst="rect">
+            <a:avLst/>
+          </a:prstGeom>
+        </p:spPr>
+        <p:txBody>
+          <a:bodyPr vert="horz" lIns="91440" tIns="45720" rIns="91440" bIns="45720" rtlCol="0"/>
+          <a:lstStyle>
+            <a:lvl1pPr algn="r">
+              <a:defRPr sz="1200"/>
+            </a:lvl1pPr>
+          </a:lstStyle>
+          <a:p>
+            <a:fld id="{213C7537-D60D-4687-B9D2-5686070236B7}" type="datetimeFigureOut">
+              <a:rPr lang="sv-SE" smtClean="0"/>
+              <a:t>2016-03-15</a:t>
+            </a:fld>
+            <a:endParaRPr lang="sv-SE"/>
+          </a:p>
+        </p:txBody>
+      </p:sp>
+      <p:sp>
+        <p:nvSpPr>
+          <p:cNvPr id="4" name="Platshållare för bildobjekt 3"/>
+          <p:cNvSpPr>
+            <a:spLocks noGrp="1" noRot="1" noChangeAspect="1"/>
+          </p:cNvSpPr>
+          <p:nvPr>
+            <p:ph type="sldImg" idx="2"/>
+          </p:nvPr>
+        </p:nvSpPr>
+        <p:spPr>
+          <a:xfrm>
+            <a:off x="685800" y="1143000"/>
+            <a:ext cx="5486400" cy="3086100"/>
+          </a:xfrm>
+          <a:prstGeom prst="rect">
+            <a:avLst/>
+          </a:prstGeom>
+          <a:noFill/>
+          <a:ln w="12700">
+            <a:solidFill>
+              <a:prstClr val="black"/>
+            </a:solidFill>
+          </a:ln>
+        </p:spPr>
+        <p:txBody>
+          <a:bodyPr vert="horz" lIns="91440" tIns="45720" rIns="91440" bIns="45720" rtlCol="0" anchor="ctr"/>
+          <a:lstStyle/>
+          <a:p>
+            <a:endParaRPr lang="sv-SE"/>
+          </a:p>
+        </p:txBody>
+      </p:sp>
+      <p:sp>
+        <p:nvSpPr>
+          <p:cNvPr id="5" name="Platshållare för anteckningar 4"/>
+          <p:cNvSpPr>
+            <a:spLocks noGrp="1"/>
+          </p:cNvSpPr>
+          <p:nvPr>
+            <p:ph type="body" sz="quarter" idx="3"/>
+          </p:nvPr>
+        </p:nvSpPr>
+        <p:spPr>
+          <a:xfrm>
+            <a:off x="685800" y="4400550"/>
+            <a:ext cx="5486400" cy="3600450"/>
+          </a:xfrm>
+          <a:prstGeom prst="rect">
+            <a:avLst/>
+          </a:prstGeom>
+        </p:spPr>
+        <p:txBody>
+          <a:bodyPr vert="horz" lIns="91440" tIns="45720" rIns="91440" bIns="45720" rtlCol="0"/>
+          <a:lstStyle/>
+          <a:p>
+            <a:pPr lvl="0"/>
+            <a:r>
+              <a:rPr lang="sv-SE" smtClean="0"/>
+              <a:t>Klicka här för att ändra format på bakgrundstexten</a:t>
+            </a:r>
+          </a:p>
+          <a:p>
+            <a:pPr lvl="1"/>
+            <a:r>
+              <a:rPr lang="sv-SE" smtClean="0"/>
+              <a:t>Nivå två</a:t>
+            </a:r>
+          </a:p>
+          <a:p>
+            <a:pPr lvl="2"/>
+            <a:r>
+              <a:rPr lang="sv-SE" smtClean="0"/>
+              <a:t>Nivå tre</a:t>
+            </a:r>
+          </a:p>
+          <a:p>
+            <a:pPr lvl="3"/>
+            <a:r>
+              <a:rPr lang="sv-SE" smtClean="0"/>
+              <a:t>Nivå fyra</a:t>
+            </a:r>
+          </a:p>
+          <a:p>
+            <a:pPr lvl="4"/>
+            <a:r>
+              <a:rPr lang="sv-SE" smtClean="0"/>
+              <a:t>Nivå fem</a:t>
+            </a:r>
+            <a:endParaRPr lang="sv-SE"/>
+          </a:p>
+        </p:txBody>
+      </p:sp>
+      <p:sp>
+        <p:nvSpPr>
+          <p:cNvPr id="6" name="Platshållare för sidfot 5"/>
+          <p:cNvSpPr>
+            <a:spLocks noGrp="1"/>
+          </p:cNvSpPr>
+          <p:nvPr>
+            <p:ph type="ftr" sz="quarter" idx="4"/>
+          </p:nvPr>
+        </p:nvSpPr>
+        <p:spPr>
+          <a:xfrm>
+            <a:off x="0" y="8685213"/>
+            <a:ext cx="2971800" cy="458787"/>
+          </a:xfrm>
+          <a:prstGeom prst="rect">
+            <a:avLst/>
+          </a:prstGeom>
+        </p:spPr>
+        <p:txBody>
+          <a:bodyPr vert="horz" lIns="91440" tIns="45720" rIns="91440" bIns="45720" rtlCol="0" anchor="b"/>
+          <a:lstStyle>
+            <a:lvl1pPr algn="l">
+              <a:defRPr sz="1200"/>
+            </a:lvl1pPr>
+          </a:lstStyle>
+          <a:p>
+            <a:endParaRPr lang="sv-SE"/>
+          </a:p>
+        </p:txBody>
+      </p:sp>
+      <p:sp>
+        <p:nvSpPr>
+          <p:cNvPr id="7" name="Platshållare för bildnummer 6"/>
+          <p:cNvSpPr>
+            <a:spLocks noGrp="1"/>
+          </p:cNvSpPr>
+          <p:nvPr>
+            <p:ph type="sldNum" sz="quarter" idx="5"/>
+          </p:nvPr>
+        </p:nvSpPr>
+        <p:spPr>
+          <a:xfrm>
+            <a:off x="3884613" y="8685213"/>
+            <a:ext cx="2971800" cy="458787"/>
+          </a:xfrm>
+          <a:prstGeom prst="rect">
+            <a:avLst/>
+          </a:prstGeom>
+        </p:spPr>
+        <p:txBody>
+          <a:bodyPr vert="horz" lIns="91440" tIns="45720" rIns="91440" bIns="45720" rtlCol="0" anchor="b"/>
+          <a:lstStyle>
+            <a:lvl1pPr algn="r">
+              <a:defRPr sz="1200"/>
+            </a:lvl1pPr>
+          </a:lstStyle>
+          <a:p>
+            <a:fld id="{834F16FD-BA4C-43F4-8646-8F68084A3154}" type="slidenum">
+              <a:rPr lang="sv-SE" smtClean="0"/>
+              <a:t>‹#›</a:t>
+            </a:fld>
+            <a:endParaRPr lang="sv-SE"/>
+          </a:p>
+        </p:txBody>
+      </p:sp>
+    </p:spTree>
+    <p:extLst>
+      <p:ext uri="{BB962C8B-B14F-4D97-AF65-F5344CB8AC3E}">
+        <p14:creationId xmlns:p14="http://schemas.microsoft.com/office/powerpoint/2010/main" val="1801070462"/>
+      </p:ext>
+    </p:extLst>
+  </p:cSld>
+  <p:clrMap bg1="lt1" tx1="dk1" bg2="lt2" tx2="dk2" accent1="accent1" accent2="accent2" accent3="accent3" accent4="accent4" accent5="accent5" accent6="accent6" hlink="hlink" folHlink="folHlink"/>
+  <p:notesStyle>
+    <a:lvl1pPr marL="0" algn="l" defTabSz="914400" rtl="0" eaLnBrk="1" latinLnBrk="0" hangingPunct="1">
+      <a:defRPr sz="1200" kern="1200">
+        <a:solidFill>
+          <a:schemeClr val="tx1"/>
+        </a:solidFill>
+        <a:latin typeface="+mn-lt"/>
+        <a:ea typeface="+mn-ea"/>
+        <a:cs typeface="+mn-cs"/>
+      </a:defRPr>
+    </a:lvl1pPr>
+    <a:lvl2pPr marL="457200" algn="l" defTabSz="914400" rtl="0" eaLnBrk="1" latinLnBrk="0" hangingPunct="1">
+      <a:defRPr sz="1200" kern="1200">
+        <a:solidFill>
+          <a:schemeClr val="tx1"/>
+        </a:solidFill>
+        <a:latin typeface="+mn-lt"/>
+        <a:ea typeface="+mn-ea"/>
+        <a:cs typeface="+mn-cs"/>
+      </a:defRPr>
+    </a:lvl2pPr>
+    <a:lvl3pPr marL="914400" algn="l" defTabSz="914400" rtl="0" eaLnBrk="1" latinLnBrk="0" hangingPunct="1">
+      <a:defRPr sz="1200" kern="1200">
+        <a:solidFill>
+          <a:schemeClr val="tx1"/>
+        </a:solidFill>
+        <a:latin typeface="+mn-lt"/>
+        <a:ea typeface="+mn-ea"/>
+        <a:cs typeface="+mn-cs"/>
+      </a:defRPr>
+    </a:lvl3pPr>
+    <a:lvl4pPr marL="1371600" algn="l" defTabSz="914400" rtl="0" eaLnBrk="1" latinLnBrk="0" hangingPunct="1">
+      <a:defRPr sz="1200" kern="1200">
+        <a:solidFill>
+          <a:schemeClr val="tx1"/>
+        </a:solidFill>
+        <a:latin typeface="+mn-lt"/>
+        <a:ea typeface="+mn-ea"/>
+        <a:cs typeface="+mn-cs"/>
+      </a:defRPr>
+    </a:lvl4pPr>
+    <a:lvl5pPr marL="1828800" algn="l" defTabSz="914400" rtl="0" eaLnBrk="1" latinLnBrk="0" hangingPunct="1">
+      <a:defRPr sz="1200" kern="1200">
+        <a:solidFill>
+          <a:schemeClr val="tx1"/>
+        </a:solidFill>
+        <a:latin typeface="+mn-lt"/>
+        <a:ea typeface="+mn-ea"/>
+        <a:cs typeface="+mn-cs"/>
+      </a:defRPr>
+    </a:lvl5pPr>
+    <a:lvl6pPr marL="2286000" algn="l" defTabSz="914400" rtl="0" eaLnBrk="1" latinLnBrk="0" hangingPunct="1">
+      <a:defRPr sz="1200" kern="1200">
+        <a:solidFill>
+          <a:schemeClr val="tx1"/>
+        </a:solidFill>
+        <a:latin typeface="+mn-lt"/>
+        <a:ea typeface="+mn-ea"/>
+        <a:cs typeface="+mn-cs"/>
+      </a:defRPr>
+    </a:lvl6pPr>
+    <a:lvl7pPr marL="2743200" algn="l" defTabSz="914400" rtl="0" eaLnBrk="1" latinLnBrk="0" hangingPunct="1">
+      <a:defRPr sz="1200" kern="1200">
+        <a:solidFill>
+          <a:schemeClr val="tx1"/>
+        </a:solidFill>
+        <a:latin typeface="+mn-lt"/>
+        <a:ea typeface="+mn-ea"/>
+        <a:cs typeface="+mn-cs"/>
+      </a:defRPr>
+    </a:lvl7pPr>
+    <a:lvl8pPr marL="3200400" algn="l" defTabSz="914400" rtl="0" eaLnBrk="1" latinLnBrk="0" hangingPunct="1">
+      <a:defRPr sz="1200" kern="1200">
+        <a:solidFill>
+          <a:schemeClr val="tx1"/>
+        </a:solidFill>
+        <a:latin typeface="+mn-lt"/>
+        <a:ea typeface="+mn-ea"/>
+        <a:cs typeface="+mn-cs"/>
+      </a:defRPr>
+    </a:lvl8pPr>
+    <a:lvl9pPr marL="3657600" algn="l" defTabSz="914400" rtl="0" eaLnBrk="1" latinLnBrk="0" hangingPunct="1">
+      <a:defRPr sz="1200" kern="1200">
+        <a:solidFill>
+          <a:schemeClr val="tx1"/>
+        </a:solidFill>
+        <a:latin typeface="+mn-lt"/>
+        <a:ea typeface="+mn-ea"/>
+        <a:cs typeface="+mn-cs"/>
+      </a:defRPr>
+    </a:lvl9pPr>
+  </p:notesStyle>
+</p:notesMaster>
+</file>
+
+<file path=ppt/notesSlides/notesSlide1.xml><?xml version="1.0" encoding="utf-8"?>
+<p:notes xmlns:a="http://schemas.openxmlformats.org/drawingml/2006/main" xmlns:r="http://schemas.openxmlformats.org/officeDocument/2006/relationships" xmlns:p="http://schemas.openxmlformats.org/presentationml/2006/main">
+  <p:cSld>
+    <p:spTree>
+      <p:nvGrpSpPr>
+        <p:cNvPr id="1" name=""/>
+        <p:cNvGrpSpPr/>
+        <p:nvPr/>
+      </p:nvGrpSpPr>
+      <p:grpSpPr>
+        <a:xfrm>
+          <a:off x="0" y="0"/>
+          <a:ext cx="0" cy="0"/>
+          <a:chOff x="0" y="0"/>
+          <a:chExt cx="0" cy="0"/>
+        </a:xfrm>
+      </p:grpSpPr>
+      <p:sp>
+        <p:nvSpPr>
+          <p:cNvPr id="2" name="Platshållare för bildobjekt 1"/>
+          <p:cNvSpPr>
+            <a:spLocks noGrp="1" noRot="1" noChangeAspect="1"/>
+          </p:cNvSpPr>
+          <p:nvPr>
+            <p:ph type="sldImg"/>
+          </p:nvPr>
+        </p:nvSpPr>
+        <p:spPr/>
+      </p:sp>
+      <p:sp>
+        <p:nvSpPr>
+          <p:cNvPr id="3" name="Platshållare för anteckningar 2"/>
+          <p:cNvSpPr>
+            <a:spLocks noGrp="1"/>
+          </p:cNvSpPr>
+          <p:nvPr>
+            <p:ph type="body" idx="1"/>
+          </p:nvPr>
+        </p:nvSpPr>
+        <p:spPr/>
+        <p:txBody>
+          <a:bodyPr/>
+          <a:lstStyle/>
+          <a:p>
+            <a:endParaRPr lang="sv-SE"/>
+          </a:p>
+        </p:txBody>
+      </p:sp>
+      <p:sp>
+        <p:nvSpPr>
+          <p:cNvPr id="4" name="Platshållare för bildnummer 3"/>
+          <p:cNvSpPr>
+            <a:spLocks noGrp="1"/>
+          </p:cNvSpPr>
+          <p:nvPr>
+            <p:ph type="sldNum" sz="quarter" idx="10"/>
+          </p:nvPr>
+        </p:nvSpPr>
+        <p:spPr/>
+        <p:txBody>
+          <a:bodyPr/>
+          <a:lstStyle/>
+          <a:p>
+            <a:fld id="{834F16FD-BA4C-43F4-8646-8F68084A3154}" type="slidenum">
+              <a:rPr lang="sv-SE" smtClean="0"/>
+              <a:t>1</a:t>
+            </a:fld>
+            <a:endParaRPr lang="sv-SE"/>
+          </a:p>
+        </p:txBody>
+      </p:sp>
+    </p:spTree>
+    <p:extLst>
+      <p:ext uri="{BB962C8B-B14F-4D97-AF65-F5344CB8AC3E}">
+        <p14:creationId xmlns:p14="http://schemas.microsoft.com/office/powerpoint/2010/main" val="3106145235"/>
+      </p:ext>
+    </p:extLst>
+  </p:cSld>
+  <p:clrMapOvr>
+    <a:masterClrMapping/>
+  </p:clrMapOvr>
+</p:notes>
+</file>
+
 <file path=ppt/slideLayouts/slideLayout1.xml><?xml version="1.0" encoding="utf-8"?>
 <p:sldLayout xmlns:a="http://schemas.openxmlformats.org/drawingml/2006/main" xmlns:r="http://schemas.openxmlformats.org/officeDocument/2006/relationships" xmlns:p="http://schemas.openxmlformats.org/presentationml/2006/main" type="title" preserve="1">
   <p:cSld name="Rubrikbild">
@@ -243,7 +680,7 @@
           <a:p>
             <a:fld id="{0CDC862D-4A36-4110-A1D8-F0241D631B55}" type="datetimeFigureOut">
               <a:rPr lang="sv-SE" smtClean="0"/>
-              <a:t>2016-03-14</a:t>
+              <a:t>2016-03-15</a:t>
             </a:fld>
             <a:endParaRPr lang="sv-SE"/>
           </a:p>
@@ -413,7 +850,7 @@
           <a:p>
             <a:fld id="{0CDC862D-4A36-4110-A1D8-F0241D631B55}" type="datetimeFigureOut">
               <a:rPr lang="sv-SE" smtClean="0"/>
-              <a:t>2016-03-14</a:t>
+              <a:t>2016-03-15</a:t>
             </a:fld>
             <a:endParaRPr lang="sv-SE"/>
           </a:p>
@@ -593,7 +1030,7 @@
           <a:p>
             <a:fld id="{0CDC862D-4A36-4110-A1D8-F0241D631B55}" type="datetimeFigureOut">
               <a:rPr lang="sv-SE" smtClean="0"/>
-              <a:t>2016-03-14</a:t>
+              <a:t>2016-03-15</a:t>
             </a:fld>
             <a:endParaRPr lang="sv-SE"/>
           </a:p>
@@ -763,7 +1200,7 @@
           <a:p>
             <a:fld id="{0CDC862D-4A36-4110-A1D8-F0241D631B55}" type="datetimeFigureOut">
               <a:rPr lang="sv-SE" smtClean="0"/>
-              <a:t>2016-03-14</a:t>
+              <a:t>2016-03-15</a:t>
             </a:fld>
             <a:endParaRPr lang="sv-SE"/>
           </a:p>
@@ -1009,7 +1446,7 @@
           <a:p>
             <a:fld id="{0CDC862D-4A36-4110-A1D8-F0241D631B55}" type="datetimeFigureOut">
               <a:rPr lang="sv-SE" smtClean="0"/>
-              <a:t>2016-03-14</a:t>
+              <a:t>2016-03-15</a:t>
             </a:fld>
             <a:endParaRPr lang="sv-SE"/>
           </a:p>
@@ -1241,7 +1678,7 @@
           <a:p>
             <a:fld id="{0CDC862D-4A36-4110-A1D8-F0241D631B55}" type="datetimeFigureOut">
               <a:rPr lang="sv-SE" smtClean="0"/>
-              <a:t>2016-03-14</a:t>
+              <a:t>2016-03-15</a:t>
             </a:fld>
             <a:endParaRPr lang="sv-SE"/>
           </a:p>
@@ -1608,7 +2045,7 @@
           <a:p>
             <a:fld id="{0CDC862D-4A36-4110-A1D8-F0241D631B55}" type="datetimeFigureOut">
               <a:rPr lang="sv-SE" smtClean="0"/>
-              <a:t>2016-03-14</a:t>
+              <a:t>2016-03-15</a:t>
             </a:fld>
             <a:endParaRPr lang="sv-SE"/>
           </a:p>
@@ -1726,7 +2163,7 @@
           <a:p>
             <a:fld id="{0CDC862D-4A36-4110-A1D8-F0241D631B55}" type="datetimeFigureOut">
               <a:rPr lang="sv-SE" smtClean="0"/>
-              <a:t>2016-03-14</a:t>
+              <a:t>2016-03-15</a:t>
             </a:fld>
             <a:endParaRPr lang="sv-SE"/>
           </a:p>
@@ -1821,7 +2258,7 @@
           <a:p>
             <a:fld id="{0CDC862D-4A36-4110-A1D8-F0241D631B55}" type="datetimeFigureOut">
               <a:rPr lang="sv-SE" smtClean="0"/>
-              <a:t>2016-03-14</a:t>
+              <a:t>2016-03-15</a:t>
             </a:fld>
             <a:endParaRPr lang="sv-SE"/>
           </a:p>
@@ -2098,7 +2535,7 @@
           <a:p>
             <a:fld id="{0CDC862D-4A36-4110-A1D8-F0241D631B55}" type="datetimeFigureOut">
               <a:rPr lang="sv-SE" smtClean="0"/>
-              <a:t>2016-03-14</a:t>
+              <a:t>2016-03-15</a:t>
             </a:fld>
             <a:endParaRPr lang="sv-SE"/>
           </a:p>
@@ -2351,7 +2788,7 @@
           <a:p>
             <a:fld id="{0CDC862D-4A36-4110-A1D8-F0241D631B55}" type="datetimeFigureOut">
               <a:rPr lang="sv-SE" smtClean="0"/>
-              <a:t>2016-03-14</a:t>
+              <a:t>2016-03-15</a:t>
             </a:fld>
             <a:endParaRPr lang="sv-SE"/>
           </a:p>
@@ -2564,7 +3001,7 @@
           <a:p>
             <a:fld id="{0CDC862D-4A36-4110-A1D8-F0241D631B55}" type="datetimeFigureOut">
               <a:rPr lang="sv-SE" smtClean="0"/>
-              <a:t>2016-03-14</a:t>
+              <a:t>2016-03-15</a:t>
             </a:fld>
             <a:endParaRPr lang="sv-SE"/>
           </a:p>
@@ -3221,89 +3658,13 @@
       </p:sp>
       <p:sp>
         <p:nvSpPr>
-          <p:cNvPr id="7" name="textruta 6"/>
-          <p:cNvSpPr txBox="1"/>
-          <p:nvPr/>
-        </p:nvSpPr>
-        <p:spPr>
-          <a:xfrm>
-            <a:off x="975328" y="401426"/>
-            <a:ext cx="1506828" cy="369332"/>
-          </a:xfrm>
-          <a:prstGeom prst="rect">
-            <a:avLst/>
-          </a:prstGeom>
-          <a:noFill/>
-        </p:spPr>
-        <p:txBody>
-          <a:bodyPr wrap="square" rtlCol="0">
-            <a:spAutoFit/>
-          </a:bodyPr>
-          <a:lstStyle/>
-          <a:p>
-            <a:r>
-              <a:rPr lang="sv-SE" dirty="0" smtClean="0">
-                <a:solidFill>
-                  <a:schemeClr val="bg1"/>
-                </a:solidFill>
-              </a:rPr>
-              <a:t>Logga / Logo</a:t>
-            </a:r>
-            <a:endParaRPr lang="sv-SE" dirty="0">
-              <a:solidFill>
-                <a:schemeClr val="bg1"/>
-              </a:solidFill>
-            </a:endParaRPr>
-          </a:p>
-        </p:txBody>
-      </p:sp>
-      <p:sp>
-        <p:nvSpPr>
-          <p:cNvPr id="9" name="textruta 8"/>
-          <p:cNvSpPr txBox="1"/>
-          <p:nvPr/>
-        </p:nvSpPr>
-        <p:spPr>
-          <a:xfrm>
-            <a:off x="4752502" y="1584417"/>
-            <a:ext cx="3464219" cy="369332"/>
-          </a:xfrm>
-          <a:prstGeom prst="rect">
-            <a:avLst/>
-          </a:prstGeom>
-          <a:noFill/>
-        </p:spPr>
-        <p:txBody>
-          <a:bodyPr wrap="square" rtlCol="0">
-            <a:spAutoFit/>
-          </a:bodyPr>
-          <a:lstStyle/>
-          <a:p>
-            <a:r>
-              <a:rPr lang="sv-SE" dirty="0" smtClean="0">
-                <a:solidFill>
-                  <a:schemeClr val="bg1"/>
-                </a:solidFill>
-              </a:rPr>
-              <a:t>Drop Down Menyer</a:t>
-            </a:r>
-            <a:endParaRPr lang="sv-SE" dirty="0">
-              <a:solidFill>
-                <a:schemeClr val="bg1"/>
-              </a:solidFill>
-            </a:endParaRPr>
-          </a:p>
-        </p:txBody>
-      </p:sp>
-      <p:sp>
-        <p:nvSpPr>
           <p:cNvPr id="10" name="textruta 9"/>
           <p:cNvSpPr txBox="1"/>
           <p:nvPr/>
         </p:nvSpPr>
         <p:spPr>
           <a:xfrm>
-            <a:off x="3468710" y="4001904"/>
+            <a:off x="1818061" y="3719980"/>
             <a:ext cx="5254580" cy="369332"/>
           </a:xfrm>
           <a:prstGeom prst="rect">
@@ -3438,6 +3799,680 @@
           </a:p>
         </p:txBody>
       </p:sp>
+      <p:pic>
+        <p:nvPicPr>
+          <p:cNvPr id="3" name="Bildobjekt 2"/>
+          <p:cNvPicPr>
+            <a:picLocks noChangeAspect="1"/>
+          </p:cNvPicPr>
+          <p:nvPr/>
+        </p:nvPicPr>
+        <p:blipFill>
+          <a:blip r:embed="rId3">
+            <a:extLst>
+              <a:ext uri="{28A0092B-C50C-407E-A947-70E740481C1C}">
+                <a14:useLocalDpi xmlns:a14="http://schemas.microsoft.com/office/drawing/2010/main" val="0"/>
+              </a:ext>
+            </a:extLst>
+          </a:blip>
+          <a:stretch>
+            <a:fillRect/>
+          </a:stretch>
+        </p:blipFill>
+        <p:spPr>
+          <a:xfrm>
+            <a:off x="0" y="-1"/>
+            <a:ext cx="1490059" cy="1490059"/>
+          </a:xfrm>
+          <a:prstGeom prst="rect">
+            <a:avLst/>
+          </a:prstGeom>
+        </p:spPr>
+      </p:pic>
+      <p:sp>
+        <p:nvSpPr>
+          <p:cNvPr id="13" name="Rektangel 12"/>
+          <p:cNvSpPr/>
+          <p:nvPr/>
+        </p:nvSpPr>
+        <p:spPr>
+          <a:xfrm>
+            <a:off x="182596" y="1222180"/>
+            <a:ext cx="1189251" cy="447280"/>
+          </a:xfrm>
+          <a:prstGeom prst="rect">
+            <a:avLst/>
+          </a:prstGeom>
+          <a:solidFill>
+            <a:srgbClr val="404040"/>
+          </a:solidFill>
+          <a:ln>
+            <a:noFill/>
+          </a:ln>
+        </p:spPr>
+        <p:style>
+          <a:lnRef idx="2">
+            <a:schemeClr val="accent1">
+              <a:shade val="50000"/>
+            </a:schemeClr>
+          </a:lnRef>
+          <a:fillRef idx="1">
+            <a:schemeClr val="accent1"/>
+          </a:fillRef>
+          <a:effectRef idx="0">
+            <a:schemeClr val="accent1"/>
+          </a:effectRef>
+          <a:fontRef idx="minor">
+            <a:schemeClr val="lt1"/>
+          </a:fontRef>
+        </p:style>
+        <p:txBody>
+          <a:bodyPr rtlCol="0" anchor="ctr"/>
+          <a:lstStyle/>
+          <a:p>
+            <a:pPr algn="ctr"/>
+            <a:endParaRPr lang="sv-SE"/>
+          </a:p>
+        </p:txBody>
+      </p:sp>
+      <p:sp>
+        <p:nvSpPr>
+          <p:cNvPr id="14" name="textruta 13"/>
+          <p:cNvSpPr txBox="1"/>
+          <p:nvPr/>
+        </p:nvSpPr>
+        <p:spPr>
+          <a:xfrm>
+            <a:off x="1575023" y="364899"/>
+            <a:ext cx="1237956" cy="646331"/>
+          </a:xfrm>
+          <a:prstGeom prst="rect">
+            <a:avLst/>
+          </a:prstGeom>
+          <a:noFill/>
+        </p:spPr>
+        <p:txBody>
+          <a:bodyPr wrap="square" rtlCol="0">
+            <a:spAutoFit/>
+          </a:bodyPr>
+          <a:lstStyle/>
+          <a:p>
+            <a:r>
+              <a:rPr lang="sv-SE" sz="3600" dirty="0" smtClean="0">
+                <a:latin typeface="Forte" panose="03060902040502070203" pitchFamily="66" charset="0"/>
+              </a:rPr>
+              <a:t>SiA</a:t>
+            </a:r>
+          </a:p>
+        </p:txBody>
+      </p:sp>
+      <p:sp>
+        <p:nvSpPr>
+          <p:cNvPr id="15" name="Rektangel 14"/>
+          <p:cNvSpPr/>
+          <p:nvPr/>
+        </p:nvSpPr>
+        <p:spPr>
+          <a:xfrm>
+            <a:off x="0" y="1197945"/>
+            <a:ext cx="2540127" cy="1055858"/>
+          </a:xfrm>
+          <a:prstGeom prst="rect">
+            <a:avLst/>
+          </a:prstGeom>
+          <a:solidFill>
+            <a:srgbClr val="404040"/>
+          </a:solidFill>
+          <a:ln>
+            <a:solidFill>
+              <a:srgbClr val="AFABAB"/>
+            </a:solidFill>
+          </a:ln>
+        </p:spPr>
+        <p:style>
+          <a:lnRef idx="2">
+            <a:schemeClr val="accent1">
+              <a:shade val="50000"/>
+            </a:schemeClr>
+          </a:lnRef>
+          <a:fillRef idx="1">
+            <a:schemeClr val="accent1"/>
+          </a:fillRef>
+          <a:effectRef idx="0">
+            <a:schemeClr val="accent1"/>
+          </a:effectRef>
+          <a:fontRef idx="minor">
+            <a:schemeClr val="lt1"/>
+          </a:fontRef>
+        </p:style>
+        <p:txBody>
+          <a:bodyPr rtlCol="0" anchor="ctr"/>
+          <a:lstStyle/>
+          <a:p>
+            <a:pPr algn="ctr"/>
+            <a:endParaRPr lang="sv-SE"/>
+          </a:p>
+        </p:txBody>
+      </p:sp>
+      <p:sp>
+        <p:nvSpPr>
+          <p:cNvPr id="16" name="Rektangel 15"/>
+          <p:cNvSpPr/>
+          <p:nvPr/>
+        </p:nvSpPr>
+        <p:spPr>
+          <a:xfrm>
+            <a:off x="6491901" y="1184027"/>
+            <a:ext cx="1858256" cy="1055858"/>
+          </a:xfrm>
+          <a:prstGeom prst="rect">
+            <a:avLst/>
+          </a:prstGeom>
+          <a:solidFill>
+            <a:srgbClr val="404040"/>
+          </a:solidFill>
+          <a:ln>
+            <a:solidFill>
+              <a:srgbClr val="AFABAB"/>
+            </a:solidFill>
+          </a:ln>
+        </p:spPr>
+        <p:style>
+          <a:lnRef idx="2">
+            <a:schemeClr val="accent1">
+              <a:shade val="50000"/>
+            </a:schemeClr>
+          </a:lnRef>
+          <a:fillRef idx="1">
+            <a:schemeClr val="accent1"/>
+          </a:fillRef>
+          <a:effectRef idx="0">
+            <a:schemeClr val="accent1"/>
+          </a:effectRef>
+          <a:fontRef idx="minor">
+            <a:schemeClr val="lt1"/>
+          </a:fontRef>
+        </p:style>
+        <p:txBody>
+          <a:bodyPr rtlCol="0" anchor="ctr"/>
+          <a:lstStyle/>
+          <a:p>
+            <a:pPr algn="ctr"/>
+            <a:endParaRPr lang="sv-SE"/>
+          </a:p>
+        </p:txBody>
+      </p:sp>
+      <p:sp>
+        <p:nvSpPr>
+          <p:cNvPr id="17" name="Rektangel 16"/>
+          <p:cNvSpPr/>
+          <p:nvPr/>
+        </p:nvSpPr>
+        <p:spPr>
+          <a:xfrm>
+            <a:off x="4643455" y="1184027"/>
+            <a:ext cx="1779500" cy="1055858"/>
+          </a:xfrm>
+          <a:prstGeom prst="rect">
+            <a:avLst/>
+          </a:prstGeom>
+          <a:solidFill>
+            <a:srgbClr val="404040"/>
+          </a:solidFill>
+          <a:ln>
+            <a:solidFill>
+              <a:srgbClr val="AFABAB"/>
+            </a:solidFill>
+          </a:ln>
+        </p:spPr>
+        <p:style>
+          <a:lnRef idx="2">
+            <a:schemeClr val="accent1">
+              <a:shade val="50000"/>
+            </a:schemeClr>
+          </a:lnRef>
+          <a:fillRef idx="1">
+            <a:schemeClr val="accent1"/>
+          </a:fillRef>
+          <a:effectRef idx="0">
+            <a:schemeClr val="accent1"/>
+          </a:effectRef>
+          <a:fontRef idx="minor">
+            <a:schemeClr val="lt1"/>
+          </a:fontRef>
+        </p:style>
+        <p:txBody>
+          <a:bodyPr rtlCol="0" anchor="ctr"/>
+          <a:lstStyle/>
+          <a:p>
+            <a:pPr algn="ctr"/>
+            <a:endParaRPr lang="sv-SE"/>
+          </a:p>
+        </p:txBody>
+      </p:sp>
+      <p:sp>
+        <p:nvSpPr>
+          <p:cNvPr id="18" name="Rektangel 17"/>
+          <p:cNvSpPr/>
+          <p:nvPr/>
+        </p:nvSpPr>
+        <p:spPr>
+          <a:xfrm>
+            <a:off x="2621702" y="1184027"/>
+            <a:ext cx="1940178" cy="1055858"/>
+          </a:xfrm>
+          <a:prstGeom prst="rect">
+            <a:avLst/>
+          </a:prstGeom>
+          <a:solidFill>
+            <a:srgbClr val="404040"/>
+          </a:solidFill>
+          <a:ln>
+            <a:solidFill>
+              <a:srgbClr val="AFABAB"/>
+            </a:solidFill>
+          </a:ln>
+        </p:spPr>
+        <p:style>
+          <a:lnRef idx="2">
+            <a:schemeClr val="accent1">
+              <a:shade val="50000"/>
+            </a:schemeClr>
+          </a:lnRef>
+          <a:fillRef idx="1">
+            <a:schemeClr val="accent1"/>
+          </a:fillRef>
+          <a:effectRef idx="0">
+            <a:schemeClr val="accent1"/>
+          </a:effectRef>
+          <a:fontRef idx="minor">
+            <a:schemeClr val="lt1"/>
+          </a:fontRef>
+        </p:style>
+        <p:txBody>
+          <a:bodyPr rtlCol="0" anchor="ctr"/>
+          <a:lstStyle/>
+          <a:p>
+            <a:pPr algn="ctr"/>
+            <a:endParaRPr lang="sv-SE"/>
+          </a:p>
+        </p:txBody>
+      </p:sp>
+      <p:sp>
+        <p:nvSpPr>
+          <p:cNvPr id="19" name="Rektangel 18"/>
+          <p:cNvSpPr/>
+          <p:nvPr/>
+        </p:nvSpPr>
+        <p:spPr>
+          <a:xfrm>
+            <a:off x="9676313" y="1197944"/>
+            <a:ext cx="2550967" cy="1055858"/>
+          </a:xfrm>
+          <a:prstGeom prst="rect">
+            <a:avLst/>
+          </a:prstGeom>
+          <a:solidFill>
+            <a:srgbClr val="404040"/>
+          </a:solidFill>
+          <a:ln>
+            <a:solidFill>
+              <a:srgbClr val="AFABAB"/>
+            </a:solidFill>
+          </a:ln>
+        </p:spPr>
+        <p:style>
+          <a:lnRef idx="2">
+            <a:schemeClr val="accent1">
+              <a:shade val="50000"/>
+            </a:schemeClr>
+          </a:lnRef>
+          <a:fillRef idx="1">
+            <a:schemeClr val="accent1"/>
+          </a:fillRef>
+          <a:effectRef idx="0">
+            <a:schemeClr val="accent1"/>
+          </a:effectRef>
+          <a:fontRef idx="minor">
+            <a:schemeClr val="lt1"/>
+          </a:fontRef>
+        </p:style>
+        <p:txBody>
+          <a:bodyPr rtlCol="0" anchor="ctr"/>
+          <a:lstStyle/>
+          <a:p>
+            <a:pPr algn="ctr"/>
+            <a:endParaRPr lang="sv-SE"/>
+          </a:p>
+        </p:txBody>
+      </p:sp>
+      <p:sp>
+        <p:nvSpPr>
+          <p:cNvPr id="20" name="Rektangel 19"/>
+          <p:cNvSpPr/>
+          <p:nvPr/>
+        </p:nvSpPr>
+        <p:spPr>
+          <a:xfrm>
+            <a:off x="8398412" y="1197944"/>
+            <a:ext cx="1239722" cy="1055858"/>
+          </a:xfrm>
+          <a:prstGeom prst="rect">
+            <a:avLst/>
+          </a:prstGeom>
+          <a:solidFill>
+            <a:srgbClr val="404040"/>
+          </a:solidFill>
+          <a:ln>
+            <a:solidFill>
+              <a:srgbClr val="AFABAB"/>
+            </a:solidFill>
+          </a:ln>
+        </p:spPr>
+        <p:style>
+          <a:lnRef idx="2">
+            <a:schemeClr val="accent1">
+              <a:shade val="50000"/>
+            </a:schemeClr>
+          </a:lnRef>
+          <a:fillRef idx="1">
+            <a:schemeClr val="accent1"/>
+          </a:fillRef>
+          <a:effectRef idx="0">
+            <a:schemeClr val="accent1"/>
+          </a:effectRef>
+          <a:fontRef idx="minor">
+            <a:schemeClr val="lt1"/>
+          </a:fontRef>
+        </p:style>
+        <p:txBody>
+          <a:bodyPr rtlCol="0" anchor="ctr"/>
+          <a:lstStyle/>
+          <a:p>
+            <a:pPr algn="ctr"/>
+            <a:endParaRPr lang="sv-SE"/>
+          </a:p>
+        </p:txBody>
+      </p:sp>
+      <p:sp>
+        <p:nvSpPr>
+          <p:cNvPr id="22" name="textruta 21"/>
+          <p:cNvSpPr txBox="1"/>
+          <p:nvPr/>
+        </p:nvSpPr>
+        <p:spPr>
+          <a:xfrm>
+            <a:off x="1071041" y="1567507"/>
+            <a:ext cx="963884" cy="369332"/>
+          </a:xfrm>
+          <a:prstGeom prst="rect">
+            <a:avLst/>
+          </a:prstGeom>
+          <a:noFill/>
+        </p:spPr>
+        <p:txBody>
+          <a:bodyPr wrap="square" rtlCol="0">
+            <a:spAutoFit/>
+          </a:bodyPr>
+          <a:lstStyle/>
+          <a:p>
+            <a:r>
+              <a:rPr lang="sv-SE" dirty="0" smtClean="0">
+                <a:solidFill>
+                  <a:schemeClr val="bg1"/>
+                </a:solidFill>
+                <a:latin typeface="Gill Sans Ultra Bold" panose="020B0A02020104020203" pitchFamily="34" charset="0"/>
+              </a:rPr>
+              <a:t>Hem</a:t>
+            </a:r>
+            <a:endParaRPr lang="sv-SE" dirty="0">
+              <a:solidFill>
+                <a:schemeClr val="bg1"/>
+              </a:solidFill>
+              <a:latin typeface="Gill Sans Ultra Bold" panose="020B0A02020104020203" pitchFamily="34" charset="0"/>
+            </a:endParaRPr>
+          </a:p>
+        </p:txBody>
+      </p:sp>
+      <p:sp>
+        <p:nvSpPr>
+          <p:cNvPr id="23" name="textruta 22"/>
+          <p:cNvSpPr txBox="1"/>
+          <p:nvPr/>
+        </p:nvSpPr>
+        <p:spPr>
+          <a:xfrm>
+            <a:off x="2706666" y="1513098"/>
+            <a:ext cx="2960842" cy="369332"/>
+          </a:xfrm>
+          <a:prstGeom prst="rect">
+            <a:avLst/>
+          </a:prstGeom>
+          <a:noFill/>
+        </p:spPr>
+        <p:txBody>
+          <a:bodyPr wrap="square" rtlCol="0">
+            <a:spAutoFit/>
+          </a:bodyPr>
+          <a:lstStyle/>
+          <a:p>
+            <a:r>
+              <a:rPr lang="sv-SE" dirty="0" smtClean="0">
+                <a:solidFill>
+                  <a:schemeClr val="bg1"/>
+                </a:solidFill>
+                <a:latin typeface="Gill Sans Ultra Bold" panose="020B0A02020104020203" pitchFamily="34" charset="0"/>
+              </a:rPr>
+              <a:t>Sortiment</a:t>
+            </a:r>
+            <a:endParaRPr lang="sv-SE" dirty="0">
+              <a:solidFill>
+                <a:schemeClr val="bg1"/>
+              </a:solidFill>
+              <a:latin typeface="Gill Sans Ultra Bold" panose="020B0A02020104020203" pitchFamily="34" charset="0"/>
+            </a:endParaRPr>
+          </a:p>
+        </p:txBody>
+      </p:sp>
+      <p:sp>
+        <p:nvSpPr>
+          <p:cNvPr id="24" name="textruta 23"/>
+          <p:cNvSpPr txBox="1"/>
+          <p:nvPr/>
+        </p:nvSpPr>
+        <p:spPr>
+          <a:xfrm>
+            <a:off x="9934495" y="1353067"/>
+            <a:ext cx="2222570" cy="646331"/>
+          </a:xfrm>
+          <a:prstGeom prst="rect">
+            <a:avLst/>
+          </a:prstGeom>
+          <a:noFill/>
+        </p:spPr>
+        <p:txBody>
+          <a:bodyPr wrap="square" rtlCol="0">
+            <a:spAutoFit/>
+          </a:bodyPr>
+          <a:lstStyle/>
+          <a:p>
+            <a:r>
+              <a:rPr lang="sv-SE" dirty="0">
+                <a:solidFill>
+                  <a:schemeClr val="bg1"/>
+                </a:solidFill>
+                <a:latin typeface="Gill Sans Ultra Bold" panose="020B0A02020104020203" pitchFamily="34" charset="0"/>
+              </a:rPr>
+              <a:t> </a:t>
+            </a:r>
+            <a:r>
+              <a:rPr lang="sv-SE" dirty="0" smtClean="0">
+                <a:solidFill>
+                  <a:schemeClr val="bg1"/>
+                </a:solidFill>
+                <a:latin typeface="Gill Sans Ultra Bold" panose="020B0A02020104020203" pitchFamily="34" charset="0"/>
+              </a:rPr>
+              <a:t>        Nya Erbjudanden</a:t>
+            </a:r>
+            <a:endParaRPr lang="sv-SE" dirty="0">
+              <a:solidFill>
+                <a:schemeClr val="bg1"/>
+              </a:solidFill>
+              <a:latin typeface="Gill Sans Ultra Bold" panose="020B0A02020104020203" pitchFamily="34" charset="0"/>
+            </a:endParaRPr>
+          </a:p>
+        </p:txBody>
+      </p:sp>
+      <p:sp>
+        <p:nvSpPr>
+          <p:cNvPr id="25" name="textruta 24"/>
+          <p:cNvSpPr txBox="1"/>
+          <p:nvPr/>
+        </p:nvSpPr>
+        <p:spPr>
+          <a:xfrm>
+            <a:off x="8653862" y="1541207"/>
+            <a:ext cx="1550498" cy="369332"/>
+          </a:xfrm>
+          <a:prstGeom prst="rect">
+            <a:avLst/>
+          </a:prstGeom>
+          <a:noFill/>
+        </p:spPr>
+        <p:txBody>
+          <a:bodyPr wrap="square" rtlCol="0">
+            <a:spAutoFit/>
+          </a:bodyPr>
+          <a:lstStyle/>
+          <a:p>
+            <a:r>
+              <a:rPr lang="sv-SE" dirty="0" smtClean="0">
+                <a:solidFill>
+                  <a:schemeClr val="bg1"/>
+                </a:solidFill>
+                <a:latin typeface="Gill Sans Ultra Bold" panose="020B0A02020104020203" pitchFamily="34" charset="0"/>
+              </a:rPr>
+              <a:t>Om</a:t>
+            </a:r>
+            <a:endParaRPr lang="sv-SE" dirty="0">
+              <a:solidFill>
+                <a:schemeClr val="bg1"/>
+              </a:solidFill>
+              <a:latin typeface="Gill Sans Ultra Bold" panose="020B0A02020104020203" pitchFamily="34" charset="0"/>
+            </a:endParaRPr>
+          </a:p>
+        </p:txBody>
+      </p:sp>
+      <p:sp>
+        <p:nvSpPr>
+          <p:cNvPr id="26" name="textruta 25"/>
+          <p:cNvSpPr txBox="1"/>
+          <p:nvPr/>
+        </p:nvSpPr>
+        <p:spPr>
+          <a:xfrm>
+            <a:off x="4699430" y="1514961"/>
+            <a:ext cx="1766812" cy="369332"/>
+          </a:xfrm>
+          <a:prstGeom prst="rect">
+            <a:avLst/>
+          </a:prstGeom>
+          <a:noFill/>
+        </p:spPr>
+        <p:txBody>
+          <a:bodyPr wrap="square" rtlCol="0">
+            <a:spAutoFit/>
+          </a:bodyPr>
+          <a:lstStyle/>
+          <a:p>
+            <a:r>
+              <a:rPr lang="sv-SE" dirty="0" smtClean="0">
+                <a:solidFill>
+                  <a:schemeClr val="bg1"/>
+                </a:solidFill>
+                <a:latin typeface="Gill Sans Ultra Bold" panose="020B0A02020104020203" pitchFamily="34" charset="0"/>
+              </a:rPr>
+              <a:t>Kategorier</a:t>
+            </a:r>
+            <a:endParaRPr lang="sv-SE" dirty="0">
+              <a:solidFill>
+                <a:schemeClr val="bg1"/>
+              </a:solidFill>
+              <a:latin typeface="Gill Sans Ultra Bold" panose="020B0A02020104020203" pitchFamily="34" charset="0"/>
+            </a:endParaRPr>
+          </a:p>
+        </p:txBody>
+      </p:sp>
+      <p:sp>
+        <p:nvSpPr>
+          <p:cNvPr id="27" name="textruta 26"/>
+          <p:cNvSpPr txBox="1"/>
+          <p:nvPr/>
+        </p:nvSpPr>
+        <p:spPr>
+          <a:xfrm>
+            <a:off x="6522669" y="1521201"/>
+            <a:ext cx="2224561" cy="369332"/>
+          </a:xfrm>
+          <a:prstGeom prst="rect">
+            <a:avLst/>
+          </a:prstGeom>
+          <a:noFill/>
+        </p:spPr>
+        <p:txBody>
+          <a:bodyPr wrap="square" rtlCol="0">
+            <a:spAutoFit/>
+          </a:bodyPr>
+          <a:lstStyle/>
+          <a:p>
+            <a:r>
+              <a:rPr lang="sv-SE" dirty="0" smtClean="0">
+                <a:solidFill>
+                  <a:schemeClr val="bg1"/>
+                </a:solidFill>
+                <a:latin typeface="Gill Sans Ultra Bold" panose="020B0A02020104020203" pitchFamily="34" charset="0"/>
+              </a:rPr>
+              <a:t>Kampanjer</a:t>
+            </a:r>
+            <a:endParaRPr lang="sv-SE" dirty="0">
+              <a:solidFill>
+                <a:schemeClr val="bg1"/>
+              </a:solidFill>
+              <a:latin typeface="Gill Sans Ultra Bold" panose="020B0A02020104020203" pitchFamily="34" charset="0"/>
+            </a:endParaRPr>
+          </a:p>
+        </p:txBody>
+      </p:sp>
+      <p:pic>
+        <p:nvPicPr>
+          <p:cNvPr id="28" name="Bildobjekt 27"/>
+          <p:cNvPicPr>
+            <a:picLocks noChangeAspect="1"/>
+          </p:cNvPicPr>
+          <p:nvPr/>
+        </p:nvPicPr>
+        <p:blipFill>
+          <a:blip r:embed="rId4" cstate="print">
+            <a:extLst>
+              <a:ext uri="{28A0092B-C50C-407E-A947-70E740481C1C}">
+                <a14:useLocalDpi xmlns:a14="http://schemas.microsoft.com/office/drawing/2010/main" val="0"/>
+              </a:ext>
+            </a:extLst>
+          </a:blip>
+          <a:stretch>
+            <a:fillRect/>
+          </a:stretch>
+        </p:blipFill>
+        <p:spPr>
+          <a:xfrm>
+            <a:off x="241181" y="1353067"/>
+            <a:ext cx="744896" cy="739863"/>
+          </a:xfrm>
+          <a:prstGeom prst="rect">
+            <a:avLst/>
+          </a:prstGeom>
+        </p:spPr>
+      </p:pic>
     </p:spTree>
     <p:extLst>
       <p:ext uri="{BB962C8B-B14F-4D97-AF65-F5344CB8AC3E}">
@@ -3710,4 +4745,265 @@
     </a:ext>
   </a:extLst>
 </a:theme>
+</file>
+
+<file path=ppt/theme/theme2.xml><?xml version="1.0" encoding="utf-8"?>
+<a:theme xmlns:a="http://schemas.openxmlformats.org/drawingml/2006/main" name="Office-tema">
+  <a:themeElements>
+    <a:clrScheme name="Office">
+      <a:dk1>
+        <a:sysClr val="windowText" lastClr="000000"/>
+      </a:dk1>
+      <a:lt1>
+        <a:sysClr val="window" lastClr="FFFFFF"/>
+      </a:lt1>
+      <a:dk2>
+        <a:srgbClr val="44546A"/>
+      </a:dk2>
+      <a:lt2>
+        <a:srgbClr val="E7E6E6"/>
+      </a:lt2>
+      <a:accent1>
+        <a:srgbClr val="5B9BD5"/>
+      </a:accent1>
+      <a:accent2>
+        <a:srgbClr val="ED7D31"/>
+      </a:accent2>
+      <a:accent3>
+        <a:srgbClr val="A5A5A5"/>
+      </a:accent3>
+      <a:accent4>
+        <a:srgbClr val="FFC000"/>
+      </a:accent4>
+      <a:accent5>
+        <a:srgbClr val="4472C4"/>
+      </a:accent5>
+      <a:accent6>
+        <a:srgbClr val="70AD47"/>
+      </a:accent6>
+      <a:hlink>
+        <a:srgbClr val="0563C1"/>
+      </a:hlink>
+      <a:folHlink>
+        <a:srgbClr val="954F72"/>
+      </a:folHlink>
+    </a:clrScheme>
+    <a:fontScheme name="Office">
+      <a:majorFont>
+        <a:latin typeface="Calibri Light" panose="020F0302020204030204"/>
+        <a:ea typeface=""/>
+        <a:cs typeface=""/>
+        <a:font script="Jpan" typeface="ＭＳ Ｐゴシック"/>
+        <a:font script="Hang" typeface="맑은 고딕"/>
+        <a:font script="Hans" typeface="宋体"/>
+        <a:font script="Hant" typeface="新細明體"/>
+        <a:font script="Arab" typeface="Times New Roman"/>
+        <a:font script="Hebr" typeface="Times New Roman"/>
+        <a:font script="Thai" typeface="Angsana New"/>
+        <a:font script="Ethi" typeface="Nyala"/>
+        <a:font script="Beng" typeface="Vrinda"/>
+        <a:font script="Gujr" typeface="Shruti"/>
+        <a:font script="Khmr" typeface="MoolBoran"/>
+        <a:font script="Knda" typeface="Tunga"/>
+        <a:font script="Guru" typeface="Raavi"/>
+        <a:font script="Cans" typeface="Euphemia"/>
+        <a:font script="Cher" typeface="Plantagenet Cherokee"/>
+        <a:font script="Yiii" typeface="Microsoft Yi Baiti"/>
+        <a:font script="Tibt" typeface="Microsoft Himalaya"/>
+        <a:font script="Thaa" typeface="MV Boli"/>
+        <a:font script="Deva" typeface="Mangal"/>
+        <a:font script="Telu" typeface="Gautami"/>
+        <a:font script="Taml" typeface="Latha"/>
+        <a:font script="Syrc" typeface="Estrangelo Edessa"/>
+        <a:font script="Orya" typeface="Kalinga"/>
+        <a:font script="Mlym" typeface="Kartika"/>
+        <a:font script="Laoo" typeface="DokChampa"/>
+        <a:font script="Sinh" typeface="Iskoola Pota"/>
+        <a:font script="Mong" typeface="Mongolian Baiti"/>
+        <a:font script="Viet" typeface="Times New Roman"/>
+        <a:font script="Uigh" typeface="Microsoft Uighur"/>
+        <a:font script="Geor" typeface="Sylfaen"/>
+      </a:majorFont>
+      <a:minorFont>
+        <a:latin typeface="Calibri" panose="020F0502020204030204"/>
+        <a:ea typeface=""/>
+        <a:cs typeface=""/>
+        <a:font script="Jpan" typeface="ＭＳ Ｐゴシック"/>
+        <a:font script="Hang" typeface="맑은 고딕"/>
+        <a:font script="Hans" typeface="宋体"/>
+        <a:font script="Hant" typeface="新細明體"/>
+        <a:font script="Arab" typeface="Arial"/>
+        <a:font script="Hebr" typeface="Arial"/>
+        <a:font script="Thai" typeface="Cordia New"/>
+        <a:font script="Ethi" typeface="Nyala"/>
+        <a:font script="Beng" typeface="Vrinda"/>
+        <a:font script="Gujr" typeface="Shruti"/>
+        <a:font script="Khmr" typeface="DaunPenh"/>
+        <a:font script="Knda" typeface="Tunga"/>
+        <a:font script="Guru" typeface="Raavi"/>
+        <a:font script="Cans" typeface="Euphemia"/>
+        <a:font script="Cher" typeface="Plantagenet Cherokee"/>
+        <a:font script="Yiii" typeface="Microsoft Yi Baiti"/>
+        <a:font script="Tibt" typeface="Microsoft Himalaya"/>
+        <a:font script="Thaa" typeface="MV Boli"/>
+        <a:font script="Deva" typeface="Mangal"/>
+        <a:font script="Telu" typeface="Gautami"/>
+        <a:font script="Taml" typeface="Latha"/>
+        <a:font script="Syrc" typeface="Estrangelo Edessa"/>
+        <a:font script="Orya" typeface="Kalinga"/>
+        <a:font script="Mlym" typeface="Kartika"/>
+        <a:font script="Laoo" typeface="DokChampa"/>
+        <a:font script="Sinh" typeface="Iskoola Pota"/>
+        <a:font script="Mong" typeface="Mongolian Baiti"/>
+        <a:font script="Viet" typeface="Arial"/>
+        <a:font script="Uigh" typeface="Microsoft Uighur"/>
+        <a:font script="Geor" typeface="Sylfaen"/>
+      </a:minorFont>
+    </a:fontScheme>
+    <a:fmtScheme name="Office">
+      <a:fillStyleLst>
+        <a:solidFill>
+          <a:schemeClr val="phClr"/>
+        </a:solidFill>
+        <a:gradFill rotWithShape="1">
+          <a:gsLst>
+            <a:gs pos="0">
+              <a:schemeClr val="phClr">
+                <a:lumMod val="110000"/>
+                <a:satMod val="105000"/>
+                <a:tint val="67000"/>
+              </a:schemeClr>
+            </a:gs>
+            <a:gs pos="50000">
+              <a:schemeClr val="phClr">
+                <a:lumMod val="105000"/>
+                <a:satMod val="103000"/>
+                <a:tint val="73000"/>
+              </a:schemeClr>
+            </a:gs>
+            <a:gs pos="100000">
+              <a:schemeClr val="phClr">
+                <a:lumMod val="105000"/>
+                <a:satMod val="109000"/>
+                <a:tint val="81000"/>
+              </a:schemeClr>
+            </a:gs>
+          </a:gsLst>
+          <a:lin ang="5400000" scaled="0"/>
+        </a:gradFill>
+        <a:gradFill rotWithShape="1">
+          <a:gsLst>
+            <a:gs pos="0">
+              <a:schemeClr val="phClr">
+                <a:satMod val="103000"/>
+                <a:lumMod val="102000"/>
+                <a:tint val="94000"/>
+              </a:schemeClr>
+            </a:gs>
+            <a:gs pos="50000">
+              <a:schemeClr val="phClr">
+                <a:satMod val="110000"/>
+                <a:lumMod val="100000"/>
+                <a:shade val="100000"/>
+              </a:schemeClr>
+            </a:gs>
+            <a:gs pos="100000">
+              <a:schemeClr val="phClr">
+                <a:lumMod val="99000"/>
+                <a:satMod val="120000"/>
+                <a:shade val="78000"/>
+              </a:schemeClr>
+            </a:gs>
+          </a:gsLst>
+          <a:lin ang="5400000" scaled="0"/>
+        </a:gradFill>
+      </a:fillStyleLst>
+      <a:lnStyleLst>
+        <a:ln w="6350" cap="flat" cmpd="sng" algn="ctr">
+          <a:solidFill>
+            <a:schemeClr val="phClr"/>
+          </a:solidFill>
+          <a:prstDash val="solid"/>
+          <a:miter lim="800000"/>
+        </a:ln>
+        <a:ln w="12700" cap="flat" cmpd="sng" algn="ctr">
+          <a:solidFill>
+            <a:schemeClr val="phClr"/>
+          </a:solidFill>
+          <a:prstDash val="solid"/>
+          <a:miter lim="800000"/>
+        </a:ln>
+        <a:ln w="19050" cap="flat" cmpd="sng" algn="ctr">
+          <a:solidFill>
+            <a:schemeClr val="phClr"/>
+          </a:solidFill>
+          <a:prstDash val="solid"/>
+          <a:miter lim="800000"/>
+        </a:ln>
+      </a:lnStyleLst>
+      <a:effectStyleLst>
+        <a:effectStyle>
+          <a:effectLst/>
+        </a:effectStyle>
+        <a:effectStyle>
+          <a:effectLst/>
+        </a:effectStyle>
+        <a:effectStyle>
+          <a:effectLst>
+            <a:outerShdw blurRad="57150" dist="19050" dir="5400000" algn="ctr" rotWithShape="0">
+              <a:srgbClr val="000000">
+                <a:alpha val="63000"/>
+              </a:srgbClr>
+            </a:outerShdw>
+          </a:effectLst>
+        </a:effectStyle>
+      </a:effectStyleLst>
+      <a:bgFillStyleLst>
+        <a:solidFill>
+          <a:schemeClr val="phClr"/>
+        </a:solidFill>
+        <a:solidFill>
+          <a:schemeClr val="phClr">
+            <a:tint val="95000"/>
+            <a:satMod val="170000"/>
+          </a:schemeClr>
+        </a:solidFill>
+        <a:gradFill rotWithShape="1">
+          <a:gsLst>
+            <a:gs pos="0">
+              <a:schemeClr val="phClr">
+                <a:tint val="93000"/>
+                <a:satMod val="150000"/>
+                <a:shade val="98000"/>
+                <a:lumMod val="102000"/>
+              </a:schemeClr>
+            </a:gs>
+            <a:gs pos="50000">
+              <a:schemeClr val="phClr">
+                <a:tint val="98000"/>
+                <a:satMod val="130000"/>
+                <a:shade val="90000"/>
+                <a:lumMod val="103000"/>
+              </a:schemeClr>
+            </a:gs>
+            <a:gs pos="100000">
+              <a:schemeClr val="phClr">
+                <a:shade val="63000"/>
+                <a:satMod val="120000"/>
+              </a:schemeClr>
+            </a:gs>
+          </a:gsLst>
+          <a:lin ang="5400000" scaled="0"/>
+        </a:gradFill>
+      </a:bgFillStyleLst>
+    </a:fmtScheme>
+  </a:themeElements>
+  <a:objectDefaults/>
+  <a:extraClrSchemeLst/>
+  <a:extLst>
+    <a:ext uri="{05A4C25C-085E-4340-85A3-A5531E510DB2}">
+      <thm15:themeFamily xmlns:thm15="http://schemas.microsoft.com/office/thememl/2012/main" name="Office Theme" id="{62F939B6-93AF-4DB8-9C6B-D6C7DFDC589F}" vid="{4A3C46E8-61CC-4603-A589-7422A47A8E4A}"/>
+    </a:ext>
+  </a:extLst>
+</a:theme>
 </file>
--- a/slutprojekt/skisser och mockups/Mockup.pptx
+++ b/slutprojekt/skisser och mockups/Mockup.pptx
@@ -197,7 +197,7 @@
           <a:p>
             <a:fld id="{213C7537-D60D-4687-B9D2-5686070236B7}" type="datetimeFigureOut">
               <a:rPr lang="sv-SE" smtClean="0"/>
-              <a:t>2016-03-15</a:t>
+              <a:t>2016-03-16</a:t>
             </a:fld>
             <a:endParaRPr lang="sv-SE"/>
           </a:p>
@@ -680,7 +680,7 @@
           <a:p>
             <a:fld id="{0CDC862D-4A36-4110-A1D8-F0241D631B55}" type="datetimeFigureOut">
               <a:rPr lang="sv-SE" smtClean="0"/>
-              <a:t>2016-03-15</a:t>
+              <a:t>2016-03-16</a:t>
             </a:fld>
             <a:endParaRPr lang="sv-SE"/>
           </a:p>
@@ -850,7 +850,7 @@
           <a:p>
             <a:fld id="{0CDC862D-4A36-4110-A1D8-F0241D631B55}" type="datetimeFigureOut">
               <a:rPr lang="sv-SE" smtClean="0"/>
-              <a:t>2016-03-15</a:t>
+              <a:t>2016-03-16</a:t>
             </a:fld>
             <a:endParaRPr lang="sv-SE"/>
           </a:p>
@@ -1030,7 +1030,7 @@
           <a:p>
             <a:fld id="{0CDC862D-4A36-4110-A1D8-F0241D631B55}" type="datetimeFigureOut">
               <a:rPr lang="sv-SE" smtClean="0"/>
-              <a:t>2016-03-15</a:t>
+              <a:t>2016-03-16</a:t>
             </a:fld>
             <a:endParaRPr lang="sv-SE"/>
           </a:p>
@@ -1200,7 +1200,7 @@
           <a:p>
             <a:fld id="{0CDC862D-4A36-4110-A1D8-F0241D631B55}" type="datetimeFigureOut">
               <a:rPr lang="sv-SE" smtClean="0"/>
-              <a:t>2016-03-15</a:t>
+              <a:t>2016-03-16</a:t>
             </a:fld>
             <a:endParaRPr lang="sv-SE"/>
           </a:p>
@@ -1446,7 +1446,7 @@
           <a:p>
             <a:fld id="{0CDC862D-4A36-4110-A1D8-F0241D631B55}" type="datetimeFigureOut">
               <a:rPr lang="sv-SE" smtClean="0"/>
-              <a:t>2016-03-15</a:t>
+              <a:t>2016-03-16</a:t>
             </a:fld>
             <a:endParaRPr lang="sv-SE"/>
           </a:p>
@@ -1678,7 +1678,7 @@
           <a:p>
             <a:fld id="{0CDC862D-4A36-4110-A1D8-F0241D631B55}" type="datetimeFigureOut">
               <a:rPr lang="sv-SE" smtClean="0"/>
-              <a:t>2016-03-15</a:t>
+              <a:t>2016-03-16</a:t>
             </a:fld>
             <a:endParaRPr lang="sv-SE"/>
           </a:p>
@@ -2045,7 +2045,7 @@
           <a:p>
             <a:fld id="{0CDC862D-4A36-4110-A1D8-F0241D631B55}" type="datetimeFigureOut">
               <a:rPr lang="sv-SE" smtClean="0"/>
-              <a:t>2016-03-15</a:t>
+              <a:t>2016-03-16</a:t>
             </a:fld>
             <a:endParaRPr lang="sv-SE"/>
           </a:p>
@@ -2163,7 +2163,7 @@
           <a:p>
             <a:fld id="{0CDC862D-4A36-4110-A1D8-F0241D631B55}" type="datetimeFigureOut">
               <a:rPr lang="sv-SE" smtClean="0"/>
-              <a:t>2016-03-15</a:t>
+              <a:t>2016-03-16</a:t>
             </a:fld>
             <a:endParaRPr lang="sv-SE"/>
           </a:p>
@@ -2258,7 +2258,7 @@
           <a:p>
             <a:fld id="{0CDC862D-4A36-4110-A1D8-F0241D631B55}" type="datetimeFigureOut">
               <a:rPr lang="sv-SE" smtClean="0"/>
-              <a:t>2016-03-15</a:t>
+              <a:t>2016-03-16</a:t>
             </a:fld>
             <a:endParaRPr lang="sv-SE"/>
           </a:p>
@@ -2535,7 +2535,7 @@
           <a:p>
             <a:fld id="{0CDC862D-4A36-4110-A1D8-F0241D631B55}" type="datetimeFigureOut">
               <a:rPr lang="sv-SE" smtClean="0"/>
-              <a:t>2016-03-15</a:t>
+              <a:t>2016-03-16</a:t>
             </a:fld>
             <a:endParaRPr lang="sv-SE"/>
           </a:p>
@@ -2788,7 +2788,7 @@
           <a:p>
             <a:fld id="{0CDC862D-4A36-4110-A1D8-F0241D631B55}" type="datetimeFigureOut">
               <a:rPr lang="sv-SE" smtClean="0"/>
-              <a:t>2016-03-15</a:t>
+              <a:t>2016-03-16</a:t>
             </a:fld>
             <a:endParaRPr lang="sv-SE"/>
           </a:p>
@@ -3001,7 +3001,7 @@
           <a:p>
             <a:fld id="{0CDC862D-4A36-4110-A1D8-F0241D631B55}" type="datetimeFigureOut">
               <a:rPr lang="sv-SE" smtClean="0"/>
-              <a:t>2016-03-15</a:t>
+              <a:t>2016-03-16</a:t>
             </a:fld>
             <a:endParaRPr lang="sv-SE"/>
           </a:p>
@@ -3413,9 +3413,9 @@
           <p:nvPr/>
         </p:nvSpPr>
         <p:spPr>
-          <a:xfrm>
-            <a:off x="0" y="0"/>
-            <a:ext cx="12192000" cy="1197945"/>
+          <a:xfrm rot="5400000">
+            <a:off x="4008455" y="-1301787"/>
+            <a:ext cx="6899398" cy="9502976"/>
           </a:xfrm>
           <a:prstGeom prst="rect">
             <a:avLst/>
@@ -3464,8 +3464,8 @@
         </p:nvSpPr>
         <p:spPr>
           <a:xfrm>
-            <a:off x="0" y="2253803"/>
-            <a:ext cx="12192000" cy="4604197"/>
+            <a:off x="17641" y="2154519"/>
+            <a:ext cx="12192000" cy="4744881"/>
           </a:xfrm>
           <a:prstGeom prst="rect">
             <a:avLst/>
@@ -3565,7 +3565,7 @@
         </p:nvSpPr>
         <p:spPr>
           <a:xfrm>
-            <a:off x="2897944" y="0"/>
+            <a:off x="2409493" y="0"/>
             <a:ext cx="337625" cy="1197945"/>
           </a:xfrm>
           <a:prstGeom prst="rect">
@@ -3658,14 +3658,14 @@
       </p:sp>
       <p:sp>
         <p:nvSpPr>
-          <p:cNvPr id="10" name="textruta 9"/>
+          <p:cNvPr id="12" name="textruta 11"/>
           <p:cNvSpPr txBox="1"/>
           <p:nvPr/>
         </p:nvSpPr>
         <p:spPr>
           <a:xfrm>
-            <a:off x="1818061" y="3719980"/>
-            <a:ext cx="5254580" cy="369332"/>
+            <a:off x="8216721" y="156837"/>
+            <a:ext cx="3975279" cy="923330"/>
           </a:xfrm>
           <a:prstGeom prst="rect">
             <a:avLst/>
@@ -3679,121 +3679,37 @@
           <a:lstStyle/>
           <a:p>
             <a:r>
-              <a:rPr lang="sv-SE" dirty="0" smtClean="0">
+              <a:rPr lang="sv-SE" i="1" dirty="0" smtClean="0">
                 <a:solidFill>
                   <a:schemeClr val="bg1"/>
                 </a:solidFill>
+                <a:latin typeface="TypoGraphica" panose="02000500000000000000" pitchFamily="50" charset="0"/>
               </a:rPr>
-              <a:t>Varor / Information</a:t>
-            </a:r>
-            <a:endParaRPr lang="sv-SE" dirty="0">
+              <a:t>Ut följsäljning av fräscha Sjukdomar </a:t>
+            </a:r>
+          </a:p>
+          <a:p>
+            <a:endParaRPr lang="sv-SE" i="1" dirty="0">
               <a:solidFill>
                 <a:schemeClr val="bg1"/>
               </a:solidFill>
+              <a:latin typeface="TypoGraphica" panose="02000500000000000000" pitchFamily="50" charset="0"/>
             </a:endParaRPr>
           </a:p>
-        </p:txBody>
-      </p:sp>
-      <p:sp>
-        <p:nvSpPr>
-          <p:cNvPr id="11" name="textruta 10"/>
-          <p:cNvSpPr txBox="1"/>
-          <p:nvPr/>
-        </p:nvSpPr>
-        <p:spPr>
-          <a:xfrm>
-            <a:off x="9899561" y="2526704"/>
-            <a:ext cx="2292439" cy="923330"/>
-          </a:xfrm>
-          <a:prstGeom prst="rect">
-            <a:avLst/>
-          </a:prstGeom>
-          <a:noFill/>
-        </p:spPr>
-        <p:txBody>
-          <a:bodyPr wrap="square" rtlCol="0">
-            <a:spAutoFit/>
-          </a:bodyPr>
-          <a:lstStyle/>
-          <a:p>
-            <a:r>
-              <a:rPr lang="sv-SE" dirty="0" smtClean="0">
+          <a:p>
+            <a:r>
+              <a:rPr lang="sv-SE" i="1" dirty="0" smtClean="0">
                 <a:solidFill>
                   <a:schemeClr val="bg1"/>
                 </a:solidFill>
+                <a:latin typeface="TypoGraphica" panose="02000500000000000000" pitchFamily="50" charset="0"/>
               </a:rPr>
-              <a:t>Inloggningsuppgifter</a:t>
-            </a:r>
-          </a:p>
-          <a:p>
-            <a:endParaRPr lang="sv-SE" dirty="0" smtClean="0">
+              <a:t>För dig som vill ha spänning i vardagen</a:t>
+            </a:r>
+            <a:endParaRPr lang="sv-SE" i="1" dirty="0">
               <a:solidFill>
                 <a:schemeClr val="bg1"/>
               </a:solidFill>
-            </a:endParaRPr>
-          </a:p>
-          <a:p>
-            <a:r>
-              <a:rPr lang="sv-SE" dirty="0">
-                <a:solidFill>
-                  <a:schemeClr val="bg1"/>
-                </a:solidFill>
-              </a:rPr>
-              <a:t> </a:t>
-            </a:r>
-            <a:r>
-              <a:rPr lang="sv-SE" dirty="0" smtClean="0">
-                <a:solidFill>
-                  <a:schemeClr val="bg1"/>
-                </a:solidFill>
-              </a:rPr>
-              <a:t>      Etc. kundvagn</a:t>
-            </a:r>
-          </a:p>
-        </p:txBody>
-      </p:sp>
-      <p:sp>
-        <p:nvSpPr>
-          <p:cNvPr id="12" name="textruta 11"/>
-          <p:cNvSpPr txBox="1"/>
-          <p:nvPr/>
-        </p:nvSpPr>
-        <p:spPr>
-          <a:xfrm>
-            <a:off x="8216721" y="156837"/>
-            <a:ext cx="3975279" cy="923330"/>
-          </a:xfrm>
-          <a:prstGeom prst="rect">
-            <a:avLst/>
-          </a:prstGeom>
-          <a:noFill/>
-        </p:spPr>
-        <p:txBody>
-          <a:bodyPr wrap="square" rtlCol="0">
-            <a:spAutoFit/>
-          </a:bodyPr>
-          <a:lstStyle/>
-          <a:p>
-            <a:r>
-              <a:rPr lang="sv-SE" i="1" dirty="0" smtClean="0">
-                <a:latin typeface="TypoGraphica" panose="02000500000000000000" pitchFamily="50" charset="0"/>
-              </a:rPr>
-              <a:t>Ut följsäljning av fräscha Sjukdomar </a:t>
-            </a:r>
-          </a:p>
-          <a:p>
-            <a:endParaRPr lang="sv-SE" i="1" dirty="0">
-              <a:latin typeface="TypoGraphica" panose="02000500000000000000" pitchFamily="50" charset="0"/>
-            </a:endParaRPr>
-          </a:p>
-          <a:p>
-            <a:r>
-              <a:rPr lang="sv-SE" i="1" dirty="0" smtClean="0">
-                <a:latin typeface="TypoGraphica" panose="02000500000000000000" pitchFamily="50" charset="0"/>
-              </a:rPr>
-              <a:t>För dig som vill ha spänning i vardagen</a:t>
-            </a:r>
-            <a:endParaRPr lang="sv-SE" i="1" dirty="0">
               <a:latin typeface="TypoGraphica" panose="02000500000000000000" pitchFamily="50" charset="0"/>
             </a:endParaRPr>
           </a:p>
@@ -3908,294 +3824,6 @@
       </p:sp>
       <p:sp>
         <p:nvSpPr>
-          <p:cNvPr id="15" name="Rektangel 14"/>
-          <p:cNvSpPr/>
-          <p:nvPr/>
-        </p:nvSpPr>
-        <p:spPr>
-          <a:xfrm>
-            <a:off x="0" y="1197945"/>
-            <a:ext cx="2540127" cy="1055858"/>
-          </a:xfrm>
-          <a:prstGeom prst="rect">
-            <a:avLst/>
-          </a:prstGeom>
-          <a:solidFill>
-            <a:srgbClr val="404040"/>
-          </a:solidFill>
-          <a:ln>
-            <a:solidFill>
-              <a:srgbClr val="AFABAB"/>
-            </a:solidFill>
-          </a:ln>
-        </p:spPr>
-        <p:style>
-          <a:lnRef idx="2">
-            <a:schemeClr val="accent1">
-              <a:shade val="50000"/>
-            </a:schemeClr>
-          </a:lnRef>
-          <a:fillRef idx="1">
-            <a:schemeClr val="accent1"/>
-          </a:fillRef>
-          <a:effectRef idx="0">
-            <a:schemeClr val="accent1"/>
-          </a:effectRef>
-          <a:fontRef idx="minor">
-            <a:schemeClr val="lt1"/>
-          </a:fontRef>
-        </p:style>
-        <p:txBody>
-          <a:bodyPr rtlCol="0" anchor="ctr"/>
-          <a:lstStyle/>
-          <a:p>
-            <a:pPr algn="ctr"/>
-            <a:endParaRPr lang="sv-SE"/>
-          </a:p>
-        </p:txBody>
-      </p:sp>
-      <p:sp>
-        <p:nvSpPr>
-          <p:cNvPr id="16" name="Rektangel 15"/>
-          <p:cNvSpPr/>
-          <p:nvPr/>
-        </p:nvSpPr>
-        <p:spPr>
-          <a:xfrm>
-            <a:off x="6491901" y="1184027"/>
-            <a:ext cx="1858256" cy="1055858"/>
-          </a:xfrm>
-          <a:prstGeom prst="rect">
-            <a:avLst/>
-          </a:prstGeom>
-          <a:solidFill>
-            <a:srgbClr val="404040"/>
-          </a:solidFill>
-          <a:ln>
-            <a:solidFill>
-              <a:srgbClr val="AFABAB"/>
-            </a:solidFill>
-          </a:ln>
-        </p:spPr>
-        <p:style>
-          <a:lnRef idx="2">
-            <a:schemeClr val="accent1">
-              <a:shade val="50000"/>
-            </a:schemeClr>
-          </a:lnRef>
-          <a:fillRef idx="1">
-            <a:schemeClr val="accent1"/>
-          </a:fillRef>
-          <a:effectRef idx="0">
-            <a:schemeClr val="accent1"/>
-          </a:effectRef>
-          <a:fontRef idx="minor">
-            <a:schemeClr val="lt1"/>
-          </a:fontRef>
-        </p:style>
-        <p:txBody>
-          <a:bodyPr rtlCol="0" anchor="ctr"/>
-          <a:lstStyle/>
-          <a:p>
-            <a:pPr algn="ctr"/>
-            <a:endParaRPr lang="sv-SE"/>
-          </a:p>
-        </p:txBody>
-      </p:sp>
-      <p:sp>
-        <p:nvSpPr>
-          <p:cNvPr id="17" name="Rektangel 16"/>
-          <p:cNvSpPr/>
-          <p:nvPr/>
-        </p:nvSpPr>
-        <p:spPr>
-          <a:xfrm>
-            <a:off x="4643455" y="1184027"/>
-            <a:ext cx="1779500" cy="1055858"/>
-          </a:xfrm>
-          <a:prstGeom prst="rect">
-            <a:avLst/>
-          </a:prstGeom>
-          <a:solidFill>
-            <a:srgbClr val="404040"/>
-          </a:solidFill>
-          <a:ln>
-            <a:solidFill>
-              <a:srgbClr val="AFABAB"/>
-            </a:solidFill>
-          </a:ln>
-        </p:spPr>
-        <p:style>
-          <a:lnRef idx="2">
-            <a:schemeClr val="accent1">
-              <a:shade val="50000"/>
-            </a:schemeClr>
-          </a:lnRef>
-          <a:fillRef idx="1">
-            <a:schemeClr val="accent1"/>
-          </a:fillRef>
-          <a:effectRef idx="0">
-            <a:schemeClr val="accent1"/>
-          </a:effectRef>
-          <a:fontRef idx="minor">
-            <a:schemeClr val="lt1"/>
-          </a:fontRef>
-        </p:style>
-        <p:txBody>
-          <a:bodyPr rtlCol="0" anchor="ctr"/>
-          <a:lstStyle/>
-          <a:p>
-            <a:pPr algn="ctr"/>
-            <a:endParaRPr lang="sv-SE"/>
-          </a:p>
-        </p:txBody>
-      </p:sp>
-      <p:sp>
-        <p:nvSpPr>
-          <p:cNvPr id="18" name="Rektangel 17"/>
-          <p:cNvSpPr/>
-          <p:nvPr/>
-        </p:nvSpPr>
-        <p:spPr>
-          <a:xfrm>
-            <a:off x="2621702" y="1184027"/>
-            <a:ext cx="1940178" cy="1055858"/>
-          </a:xfrm>
-          <a:prstGeom prst="rect">
-            <a:avLst/>
-          </a:prstGeom>
-          <a:solidFill>
-            <a:srgbClr val="404040"/>
-          </a:solidFill>
-          <a:ln>
-            <a:solidFill>
-              <a:srgbClr val="AFABAB"/>
-            </a:solidFill>
-          </a:ln>
-        </p:spPr>
-        <p:style>
-          <a:lnRef idx="2">
-            <a:schemeClr val="accent1">
-              <a:shade val="50000"/>
-            </a:schemeClr>
-          </a:lnRef>
-          <a:fillRef idx="1">
-            <a:schemeClr val="accent1"/>
-          </a:fillRef>
-          <a:effectRef idx="0">
-            <a:schemeClr val="accent1"/>
-          </a:effectRef>
-          <a:fontRef idx="minor">
-            <a:schemeClr val="lt1"/>
-          </a:fontRef>
-        </p:style>
-        <p:txBody>
-          <a:bodyPr rtlCol="0" anchor="ctr"/>
-          <a:lstStyle/>
-          <a:p>
-            <a:pPr algn="ctr"/>
-            <a:endParaRPr lang="sv-SE"/>
-          </a:p>
-        </p:txBody>
-      </p:sp>
-      <p:sp>
-        <p:nvSpPr>
-          <p:cNvPr id="19" name="Rektangel 18"/>
-          <p:cNvSpPr/>
-          <p:nvPr/>
-        </p:nvSpPr>
-        <p:spPr>
-          <a:xfrm>
-            <a:off x="9676313" y="1197944"/>
-            <a:ext cx="2550967" cy="1055858"/>
-          </a:xfrm>
-          <a:prstGeom prst="rect">
-            <a:avLst/>
-          </a:prstGeom>
-          <a:solidFill>
-            <a:srgbClr val="404040"/>
-          </a:solidFill>
-          <a:ln>
-            <a:solidFill>
-              <a:srgbClr val="AFABAB"/>
-            </a:solidFill>
-          </a:ln>
-        </p:spPr>
-        <p:style>
-          <a:lnRef idx="2">
-            <a:schemeClr val="accent1">
-              <a:shade val="50000"/>
-            </a:schemeClr>
-          </a:lnRef>
-          <a:fillRef idx="1">
-            <a:schemeClr val="accent1"/>
-          </a:fillRef>
-          <a:effectRef idx="0">
-            <a:schemeClr val="accent1"/>
-          </a:effectRef>
-          <a:fontRef idx="minor">
-            <a:schemeClr val="lt1"/>
-          </a:fontRef>
-        </p:style>
-        <p:txBody>
-          <a:bodyPr rtlCol="0" anchor="ctr"/>
-          <a:lstStyle/>
-          <a:p>
-            <a:pPr algn="ctr"/>
-            <a:endParaRPr lang="sv-SE"/>
-          </a:p>
-        </p:txBody>
-      </p:sp>
-      <p:sp>
-        <p:nvSpPr>
-          <p:cNvPr id="20" name="Rektangel 19"/>
-          <p:cNvSpPr/>
-          <p:nvPr/>
-        </p:nvSpPr>
-        <p:spPr>
-          <a:xfrm>
-            <a:off x="8398412" y="1197944"/>
-            <a:ext cx="1239722" cy="1055858"/>
-          </a:xfrm>
-          <a:prstGeom prst="rect">
-            <a:avLst/>
-          </a:prstGeom>
-          <a:solidFill>
-            <a:srgbClr val="404040"/>
-          </a:solidFill>
-          <a:ln>
-            <a:solidFill>
-              <a:srgbClr val="AFABAB"/>
-            </a:solidFill>
-          </a:ln>
-        </p:spPr>
-        <p:style>
-          <a:lnRef idx="2">
-            <a:schemeClr val="accent1">
-              <a:shade val="50000"/>
-            </a:schemeClr>
-          </a:lnRef>
-          <a:fillRef idx="1">
-            <a:schemeClr val="accent1"/>
-          </a:fillRef>
-          <a:effectRef idx="0">
-            <a:schemeClr val="accent1"/>
-          </a:effectRef>
-          <a:fontRef idx="minor">
-            <a:schemeClr val="lt1"/>
-          </a:fontRef>
-        </p:style>
-        <p:txBody>
-          <a:bodyPr rtlCol="0" anchor="ctr"/>
-          <a:lstStyle/>
-          <a:p>
-            <a:pPr algn="ctr"/>
-            <a:endParaRPr lang="sv-SE"/>
-          </a:p>
-        </p:txBody>
-      </p:sp>
-      <p:sp>
-        <p:nvSpPr>
           <p:cNvPr id="22" name="textruta 21"/>
           <p:cNvSpPr txBox="1"/>
           <p:nvPr/>
@@ -4473,6 +4101,459 @@
           </a:prstGeom>
         </p:spPr>
       </p:pic>
+      <p:sp>
+        <p:nvSpPr>
+          <p:cNvPr id="7" name="textruta 6"/>
+          <p:cNvSpPr txBox="1"/>
+          <p:nvPr/>
+        </p:nvSpPr>
+        <p:spPr>
+          <a:xfrm>
+            <a:off x="9851745" y="2674284"/>
+            <a:ext cx="2305320" cy="2169825"/>
+          </a:xfrm>
+          <a:prstGeom prst="rect">
+            <a:avLst/>
+          </a:prstGeom>
+          <a:noFill/>
+        </p:spPr>
+        <p:txBody>
+          <a:bodyPr wrap="square" rtlCol="0">
+            <a:spAutoFit/>
+          </a:bodyPr>
+          <a:lstStyle/>
+          <a:p>
+            <a:r>
+              <a:rPr lang="sv-SE" sz="1500" dirty="0" smtClean="0">
+                <a:solidFill>
+                  <a:schemeClr val="bg1"/>
+                </a:solidFill>
+                <a:latin typeface="Gill Sans MT" panose="020B0502020104020203" pitchFamily="34" charset="0"/>
+              </a:rPr>
+              <a:t>Du är inloggad som Martin</a:t>
+            </a:r>
+          </a:p>
+          <a:p>
+            <a:endParaRPr lang="sv-SE" sz="1500" dirty="0" smtClean="0">
+              <a:solidFill>
+                <a:schemeClr val="bg1"/>
+              </a:solidFill>
+              <a:latin typeface="Gill Sans MT" panose="020B0502020104020203" pitchFamily="34" charset="0"/>
+            </a:endParaRPr>
+          </a:p>
+          <a:p>
+            <a:r>
+              <a:rPr lang="sv-SE" sz="1500" dirty="0" smtClean="0">
+                <a:solidFill>
+                  <a:schemeClr val="bg1"/>
+                </a:solidFill>
+                <a:latin typeface="Gill Sans MT" panose="020B0502020104020203" pitchFamily="34" charset="0"/>
+              </a:rPr>
+              <a:t>Kundvagn (4)</a:t>
+            </a:r>
+          </a:p>
+          <a:p>
+            <a:endParaRPr lang="sv-SE" sz="1500" dirty="0">
+              <a:solidFill>
+                <a:schemeClr val="bg1"/>
+              </a:solidFill>
+              <a:latin typeface="Gill Sans MT" panose="020B0502020104020203" pitchFamily="34" charset="0"/>
+            </a:endParaRPr>
+          </a:p>
+          <a:p>
+            <a:r>
+              <a:rPr lang="sv-SE" sz="1500" dirty="0" smtClean="0">
+                <a:solidFill>
+                  <a:schemeClr val="bg1"/>
+                </a:solidFill>
+                <a:latin typeface="Gill Sans MT" panose="020B0502020104020203" pitchFamily="34" charset="0"/>
+              </a:rPr>
+              <a:t>Betalningsuppgifter</a:t>
+            </a:r>
+          </a:p>
+          <a:p>
+            <a:endParaRPr lang="sv-SE" sz="1500" dirty="0">
+              <a:solidFill>
+                <a:schemeClr val="bg1"/>
+              </a:solidFill>
+              <a:latin typeface="Gill Sans MT" panose="020B0502020104020203" pitchFamily="34" charset="0"/>
+            </a:endParaRPr>
+          </a:p>
+          <a:p>
+            <a:r>
+              <a:rPr lang="sv-SE" sz="1500" dirty="0" smtClean="0">
+                <a:solidFill>
+                  <a:schemeClr val="bg1"/>
+                </a:solidFill>
+                <a:latin typeface="Gill Sans MT" panose="020B0502020104020203" pitchFamily="34" charset="0"/>
+              </a:rPr>
+              <a:t>Kontoinställningar</a:t>
+            </a:r>
+          </a:p>
+          <a:p>
+            <a:endParaRPr lang="sv-SE" sz="1500" dirty="0">
+              <a:latin typeface="Gill Sans MT" panose="020B0502020104020203" pitchFamily="34" charset="0"/>
+            </a:endParaRPr>
+          </a:p>
+          <a:p>
+            <a:endParaRPr lang="sv-SE" sz="1500" dirty="0">
+              <a:latin typeface="Gill Sans MT" panose="020B0502020104020203" pitchFamily="34" charset="0"/>
+            </a:endParaRPr>
+          </a:p>
+        </p:txBody>
+      </p:sp>
+      <p:sp>
+        <p:nvSpPr>
+          <p:cNvPr id="9" name="Rektangel 8"/>
+          <p:cNvSpPr/>
+          <p:nvPr/>
+        </p:nvSpPr>
+        <p:spPr>
+          <a:xfrm>
+            <a:off x="241181" y="2563140"/>
+            <a:ext cx="2571798" cy="1339767"/>
+          </a:xfrm>
+          <a:prstGeom prst="rect">
+            <a:avLst/>
+          </a:prstGeom>
+          <a:solidFill>
+            <a:schemeClr val="tx2">
+              <a:lumMod val="75000"/>
+            </a:schemeClr>
+          </a:solidFill>
+          <a:ln>
+            <a:noFill/>
+          </a:ln>
+        </p:spPr>
+        <p:style>
+          <a:lnRef idx="2">
+            <a:schemeClr val="accent1">
+              <a:shade val="50000"/>
+            </a:schemeClr>
+          </a:lnRef>
+          <a:fillRef idx="1">
+            <a:schemeClr val="accent1"/>
+          </a:fillRef>
+          <a:effectRef idx="0">
+            <a:schemeClr val="accent1"/>
+          </a:effectRef>
+          <a:fontRef idx="minor">
+            <a:schemeClr val="lt1"/>
+          </a:fontRef>
+        </p:style>
+        <p:txBody>
+          <a:bodyPr rtlCol="0" anchor="ctr"/>
+          <a:lstStyle/>
+          <a:p>
+            <a:pPr algn="ctr"/>
+            <a:endParaRPr lang="sv-SE"/>
+          </a:p>
+        </p:txBody>
+      </p:sp>
+      <p:sp>
+        <p:nvSpPr>
+          <p:cNvPr id="38" name="Rektangel 37"/>
+          <p:cNvSpPr/>
+          <p:nvPr/>
+        </p:nvSpPr>
+        <p:spPr>
+          <a:xfrm>
+            <a:off x="6846325" y="4668825"/>
+            <a:ext cx="2571798" cy="1339767"/>
+          </a:xfrm>
+          <a:prstGeom prst="rect">
+            <a:avLst/>
+          </a:prstGeom>
+          <a:solidFill>
+            <a:schemeClr val="tx2">
+              <a:lumMod val="75000"/>
+            </a:schemeClr>
+          </a:solidFill>
+          <a:ln>
+            <a:noFill/>
+          </a:ln>
+        </p:spPr>
+        <p:style>
+          <a:lnRef idx="2">
+            <a:schemeClr val="accent1">
+              <a:shade val="50000"/>
+            </a:schemeClr>
+          </a:lnRef>
+          <a:fillRef idx="1">
+            <a:schemeClr val="accent1"/>
+          </a:fillRef>
+          <a:effectRef idx="0">
+            <a:schemeClr val="accent1"/>
+          </a:effectRef>
+          <a:fontRef idx="minor">
+            <a:schemeClr val="lt1"/>
+          </a:fontRef>
+        </p:style>
+        <p:txBody>
+          <a:bodyPr rtlCol="0" anchor="ctr"/>
+          <a:lstStyle/>
+          <a:p>
+            <a:pPr algn="ctr"/>
+            <a:endParaRPr lang="sv-SE"/>
+          </a:p>
+        </p:txBody>
+      </p:sp>
+      <p:sp>
+        <p:nvSpPr>
+          <p:cNvPr id="39" name="Rektangel 38"/>
+          <p:cNvSpPr/>
+          <p:nvPr/>
+        </p:nvSpPr>
+        <p:spPr>
+          <a:xfrm>
+            <a:off x="267084" y="4666652"/>
+            <a:ext cx="2571798" cy="1339767"/>
+          </a:xfrm>
+          <a:prstGeom prst="rect">
+            <a:avLst/>
+          </a:prstGeom>
+          <a:solidFill>
+            <a:schemeClr val="tx2">
+              <a:lumMod val="75000"/>
+            </a:schemeClr>
+          </a:solidFill>
+          <a:ln>
+            <a:noFill/>
+          </a:ln>
+        </p:spPr>
+        <p:style>
+          <a:lnRef idx="2">
+            <a:schemeClr val="accent1">
+              <a:shade val="50000"/>
+            </a:schemeClr>
+          </a:lnRef>
+          <a:fillRef idx="1">
+            <a:schemeClr val="accent1"/>
+          </a:fillRef>
+          <a:effectRef idx="0">
+            <a:schemeClr val="accent1"/>
+          </a:effectRef>
+          <a:fontRef idx="minor">
+            <a:schemeClr val="lt1"/>
+          </a:fontRef>
+        </p:style>
+        <p:txBody>
+          <a:bodyPr rtlCol="0" anchor="ctr"/>
+          <a:lstStyle/>
+          <a:p>
+            <a:pPr algn="ctr"/>
+            <a:endParaRPr lang="sv-SE"/>
+          </a:p>
+        </p:txBody>
+      </p:sp>
+      <p:sp>
+        <p:nvSpPr>
+          <p:cNvPr id="40" name="Rektangel 39"/>
+          <p:cNvSpPr/>
+          <p:nvPr/>
+        </p:nvSpPr>
+        <p:spPr>
+          <a:xfrm>
+            <a:off x="6846325" y="2566265"/>
+            <a:ext cx="2571798" cy="1339767"/>
+          </a:xfrm>
+          <a:prstGeom prst="rect">
+            <a:avLst/>
+          </a:prstGeom>
+          <a:solidFill>
+            <a:schemeClr val="tx2">
+              <a:lumMod val="75000"/>
+            </a:schemeClr>
+          </a:solidFill>
+          <a:ln>
+            <a:noFill/>
+          </a:ln>
+        </p:spPr>
+        <p:style>
+          <a:lnRef idx="2">
+            <a:schemeClr val="accent1">
+              <a:shade val="50000"/>
+            </a:schemeClr>
+          </a:lnRef>
+          <a:fillRef idx="1">
+            <a:schemeClr val="accent1"/>
+          </a:fillRef>
+          <a:effectRef idx="0">
+            <a:schemeClr val="accent1"/>
+          </a:effectRef>
+          <a:fontRef idx="minor">
+            <a:schemeClr val="lt1"/>
+          </a:fontRef>
+        </p:style>
+        <p:txBody>
+          <a:bodyPr rtlCol="0" anchor="ctr"/>
+          <a:lstStyle/>
+          <a:p>
+            <a:pPr algn="ctr"/>
+            <a:endParaRPr lang="sv-SE"/>
+          </a:p>
+        </p:txBody>
+      </p:sp>
+      <p:sp>
+        <p:nvSpPr>
+          <p:cNvPr id="11" name="Rektangel med rundade hörn 10"/>
+          <p:cNvSpPr/>
+          <p:nvPr/>
+        </p:nvSpPr>
+        <p:spPr>
+          <a:xfrm rot="20774216">
+            <a:off x="1066411" y="3215869"/>
+            <a:ext cx="1719607" cy="434188"/>
+          </a:xfrm>
+          <a:prstGeom prst="roundRect">
+            <a:avLst/>
+          </a:prstGeom>
+        </p:spPr>
+        <p:style>
+          <a:lnRef idx="2">
+            <a:schemeClr val="accent1">
+              <a:shade val="50000"/>
+            </a:schemeClr>
+          </a:lnRef>
+          <a:fillRef idx="1">
+            <a:schemeClr val="accent1"/>
+          </a:fillRef>
+          <a:effectRef idx="0">
+            <a:schemeClr val="accent1"/>
+          </a:effectRef>
+          <a:fontRef idx="minor">
+            <a:schemeClr val="lt1"/>
+          </a:fontRef>
+        </p:style>
+        <p:txBody>
+          <a:bodyPr rtlCol="0" anchor="ctr"/>
+          <a:lstStyle/>
+          <a:p>
+            <a:pPr algn="ctr"/>
+            <a:endParaRPr lang="sv-SE"/>
+          </a:p>
+        </p:txBody>
+      </p:sp>
+      <p:sp>
+        <p:nvSpPr>
+          <p:cNvPr id="44" name="Rektangel med rundade hörn 43"/>
+          <p:cNvSpPr/>
+          <p:nvPr/>
+        </p:nvSpPr>
+        <p:spPr>
+          <a:xfrm rot="20774216">
+            <a:off x="7671556" y="3241230"/>
+            <a:ext cx="1719607" cy="434188"/>
+          </a:xfrm>
+          <a:prstGeom prst="roundRect">
+            <a:avLst/>
+          </a:prstGeom>
+        </p:spPr>
+        <p:style>
+          <a:lnRef idx="2">
+            <a:schemeClr val="accent1">
+              <a:shade val="50000"/>
+            </a:schemeClr>
+          </a:lnRef>
+          <a:fillRef idx="1">
+            <a:schemeClr val="accent1"/>
+          </a:fillRef>
+          <a:effectRef idx="0">
+            <a:schemeClr val="accent1"/>
+          </a:effectRef>
+          <a:fontRef idx="minor">
+            <a:schemeClr val="lt1"/>
+          </a:fontRef>
+        </p:style>
+        <p:txBody>
+          <a:bodyPr rtlCol="0" anchor="ctr"/>
+          <a:lstStyle/>
+          <a:p>
+            <a:pPr algn="ctr"/>
+            <a:endParaRPr lang="sv-SE"/>
+          </a:p>
+        </p:txBody>
+      </p:sp>
+      <p:sp>
+        <p:nvSpPr>
+          <p:cNvPr id="45" name="Rektangel med rundade hörn 44"/>
+          <p:cNvSpPr/>
+          <p:nvPr/>
+        </p:nvSpPr>
+        <p:spPr>
+          <a:xfrm rot="20774216">
+            <a:off x="7671555" y="5344742"/>
+            <a:ext cx="1719607" cy="434188"/>
+          </a:xfrm>
+          <a:prstGeom prst="roundRect">
+            <a:avLst/>
+          </a:prstGeom>
+        </p:spPr>
+        <p:style>
+          <a:lnRef idx="2">
+            <a:schemeClr val="accent1">
+              <a:shade val="50000"/>
+            </a:schemeClr>
+          </a:lnRef>
+          <a:fillRef idx="1">
+            <a:schemeClr val="accent1"/>
+          </a:fillRef>
+          <a:effectRef idx="0">
+            <a:schemeClr val="accent1"/>
+          </a:effectRef>
+          <a:fontRef idx="minor">
+            <a:schemeClr val="lt1"/>
+          </a:fontRef>
+        </p:style>
+        <p:txBody>
+          <a:bodyPr rtlCol="0" anchor="ctr"/>
+          <a:lstStyle/>
+          <a:p>
+            <a:pPr algn="ctr"/>
+            <a:endParaRPr lang="sv-SE"/>
+          </a:p>
+        </p:txBody>
+      </p:sp>
+      <p:sp>
+        <p:nvSpPr>
+          <p:cNvPr id="46" name="Rektangel med rundade hörn 45"/>
+          <p:cNvSpPr/>
+          <p:nvPr/>
+        </p:nvSpPr>
+        <p:spPr>
+          <a:xfrm rot="20774216">
+            <a:off x="1101134" y="5373806"/>
+            <a:ext cx="1719607" cy="434188"/>
+          </a:xfrm>
+          <a:prstGeom prst="roundRect">
+            <a:avLst/>
+          </a:prstGeom>
+        </p:spPr>
+        <p:style>
+          <a:lnRef idx="2">
+            <a:schemeClr val="accent1">
+              <a:shade val="50000"/>
+            </a:schemeClr>
+          </a:lnRef>
+          <a:fillRef idx="1">
+            <a:schemeClr val="accent1"/>
+          </a:fillRef>
+          <a:effectRef idx="0">
+            <a:schemeClr val="accent1"/>
+          </a:effectRef>
+          <a:fontRef idx="minor">
+            <a:schemeClr val="lt1"/>
+          </a:fontRef>
+        </p:style>
+        <p:txBody>
+          <a:bodyPr rtlCol="0" anchor="ctr"/>
+          <a:lstStyle/>
+          <a:p>
+            <a:pPr algn="ctr"/>
+            <a:endParaRPr lang="sv-SE"/>
+          </a:p>
+        </p:txBody>
+      </p:sp>
     </p:spTree>
     <p:extLst>
       <p:ext uri="{BB962C8B-B14F-4D97-AF65-F5344CB8AC3E}">

--- a/slutprojekt/skisser och mockups/Mockup.pptx
+++ b/slutprojekt/skisser och mockups/Mockup.pptx
@@ -197,7 +197,7 @@
           <a:p>
             <a:fld id="{213C7537-D60D-4687-B9D2-5686070236B7}" type="datetimeFigureOut">
               <a:rPr lang="sv-SE" smtClean="0"/>
-              <a:t>2016-03-16</a:t>
+              <a:t>2016-03-23</a:t>
             </a:fld>
             <a:endParaRPr lang="sv-SE"/>
           </a:p>
@@ -680,7 +680,7 @@
           <a:p>
             <a:fld id="{0CDC862D-4A36-4110-A1D8-F0241D631B55}" type="datetimeFigureOut">
               <a:rPr lang="sv-SE" smtClean="0"/>
-              <a:t>2016-03-16</a:t>
+              <a:t>2016-03-23</a:t>
             </a:fld>
             <a:endParaRPr lang="sv-SE"/>
           </a:p>
@@ -850,7 +850,7 @@
           <a:p>
             <a:fld id="{0CDC862D-4A36-4110-A1D8-F0241D631B55}" type="datetimeFigureOut">
               <a:rPr lang="sv-SE" smtClean="0"/>
-              <a:t>2016-03-16</a:t>
+              <a:t>2016-03-23</a:t>
             </a:fld>
             <a:endParaRPr lang="sv-SE"/>
           </a:p>
@@ -1030,7 +1030,7 @@
           <a:p>
             <a:fld id="{0CDC862D-4A36-4110-A1D8-F0241D631B55}" type="datetimeFigureOut">
               <a:rPr lang="sv-SE" smtClean="0"/>
-              <a:t>2016-03-16</a:t>
+              <a:t>2016-03-23</a:t>
             </a:fld>
             <a:endParaRPr lang="sv-SE"/>
           </a:p>
@@ -1200,7 +1200,7 @@
           <a:p>
             <a:fld id="{0CDC862D-4A36-4110-A1D8-F0241D631B55}" type="datetimeFigureOut">
               <a:rPr lang="sv-SE" smtClean="0"/>
-              <a:t>2016-03-16</a:t>
+              <a:t>2016-03-23</a:t>
             </a:fld>
             <a:endParaRPr lang="sv-SE"/>
           </a:p>
@@ -1446,7 +1446,7 @@
           <a:p>
             <a:fld id="{0CDC862D-4A36-4110-A1D8-F0241D631B55}" type="datetimeFigureOut">
               <a:rPr lang="sv-SE" smtClean="0"/>
-              <a:t>2016-03-16</a:t>
+              <a:t>2016-03-23</a:t>
             </a:fld>
             <a:endParaRPr lang="sv-SE"/>
           </a:p>
@@ -1678,7 +1678,7 @@
           <a:p>
             <a:fld id="{0CDC862D-4A36-4110-A1D8-F0241D631B55}" type="datetimeFigureOut">
               <a:rPr lang="sv-SE" smtClean="0"/>
-              <a:t>2016-03-16</a:t>
+              <a:t>2016-03-23</a:t>
             </a:fld>
             <a:endParaRPr lang="sv-SE"/>
           </a:p>
@@ -2045,7 +2045,7 @@
           <a:p>
             <a:fld id="{0CDC862D-4A36-4110-A1D8-F0241D631B55}" type="datetimeFigureOut">
               <a:rPr lang="sv-SE" smtClean="0"/>
-              <a:t>2016-03-16</a:t>
+              <a:t>2016-03-23</a:t>
             </a:fld>
             <a:endParaRPr lang="sv-SE"/>
           </a:p>
@@ -2163,7 +2163,7 @@
           <a:p>
             <a:fld id="{0CDC862D-4A36-4110-A1D8-F0241D631B55}" type="datetimeFigureOut">
               <a:rPr lang="sv-SE" smtClean="0"/>
-              <a:t>2016-03-16</a:t>
+              <a:t>2016-03-23</a:t>
             </a:fld>
             <a:endParaRPr lang="sv-SE"/>
           </a:p>
@@ -2258,7 +2258,7 @@
           <a:p>
             <a:fld id="{0CDC862D-4A36-4110-A1D8-F0241D631B55}" type="datetimeFigureOut">
               <a:rPr lang="sv-SE" smtClean="0"/>
-              <a:t>2016-03-16</a:t>
+              <a:t>2016-03-23</a:t>
             </a:fld>
             <a:endParaRPr lang="sv-SE"/>
           </a:p>
@@ -2535,7 +2535,7 @@
           <a:p>
             <a:fld id="{0CDC862D-4A36-4110-A1D8-F0241D631B55}" type="datetimeFigureOut">
               <a:rPr lang="sv-SE" smtClean="0"/>
-              <a:t>2016-03-16</a:t>
+              <a:t>2016-03-23</a:t>
             </a:fld>
             <a:endParaRPr lang="sv-SE"/>
           </a:p>
@@ -2788,7 +2788,7 @@
           <a:p>
             <a:fld id="{0CDC862D-4A36-4110-A1D8-F0241D631B55}" type="datetimeFigureOut">
               <a:rPr lang="sv-SE" smtClean="0"/>
-              <a:t>2016-03-16</a:t>
+              <a:t>2016-03-23</a:t>
             </a:fld>
             <a:endParaRPr lang="sv-SE"/>
           </a:p>
@@ -3001,7 +3001,7 @@
           <a:p>
             <a:fld id="{0CDC862D-4A36-4110-A1D8-F0241D631B55}" type="datetimeFigureOut">
               <a:rPr lang="sv-SE" smtClean="0"/>
-              <a:t>2016-03-16</a:t>
+              <a:t>2016-03-23</a:t>
             </a:fld>
             <a:endParaRPr lang="sv-SE"/>
           </a:p>
@@ -3414,8 +3414,8 @@
         </p:nvSpPr>
         <p:spPr>
           <a:xfrm rot="5400000">
-            <a:off x="4008455" y="-1301787"/>
-            <a:ext cx="6899398" cy="9502976"/>
+            <a:off x="4029155" y="-1322487"/>
+            <a:ext cx="6857998" cy="9502976"/>
           </a:xfrm>
           <a:prstGeom prst="rect">
             <a:avLst/>
@@ -3464,7 +3464,7 @@
         </p:nvSpPr>
         <p:spPr>
           <a:xfrm>
-            <a:off x="17641" y="2154519"/>
+            <a:off x="0" y="2130285"/>
             <a:ext cx="12192000" cy="4744881"/>
           </a:xfrm>
           <a:prstGeom prst="rect">
@@ -4110,7 +4110,7 @@
         <p:spPr>
           <a:xfrm>
             <a:off x="9851745" y="2674284"/>
-            <a:ext cx="2305320" cy="2169825"/>
+            <a:ext cx="2305320" cy="2400657"/>
           </a:xfrm>
           <a:prstGeom prst="rect">
             <a:avLst/>
@@ -4191,15 +4191,35 @@
             </a:r>
           </a:p>
           <a:p>
+            <a:endParaRPr lang="sv-SE" sz="1500" dirty="0" smtClean="0">
+              <a:solidFill>
+                <a:schemeClr val="bg1"/>
+              </a:solidFill>
+              <a:latin typeface="Gill Sans MT" panose="020B0502020104020203" pitchFamily="34" charset="0"/>
+            </a:endParaRPr>
+          </a:p>
+          <a:p>
+            <a:r>
+              <a:rPr lang="sv-SE" sz="1500" dirty="0" smtClean="0">
+                <a:solidFill>
+                  <a:schemeClr val="bg1"/>
+                </a:solidFill>
+                <a:latin typeface="Gill Sans MT" panose="020B0502020104020203" pitchFamily="34" charset="0"/>
+              </a:rPr>
+              <a:t>Saldo</a:t>
+            </a:r>
+            <a:endParaRPr lang="sv-SE" sz="1500" dirty="0">
+              <a:solidFill>
+                <a:schemeClr val="bg1"/>
+              </a:solidFill>
+              <a:latin typeface="Gill Sans MT" panose="020B0502020104020203" pitchFamily="34" charset="0"/>
+            </a:endParaRPr>
+          </a:p>
+          <a:p>
             <a:endParaRPr lang="sv-SE" sz="1500" dirty="0">
               <a:latin typeface="Gill Sans MT" panose="020B0502020104020203" pitchFamily="34" charset="0"/>
             </a:endParaRPr>
           </a:p>
-          <a:p>
-            <a:endParaRPr lang="sv-SE" sz="1500" dirty="0">
-              <a:latin typeface="Gill Sans MT" panose="020B0502020104020203" pitchFamily="34" charset="0"/>
-            </a:endParaRPr>
-          </a:p>
         </p:txBody>
       </p:sp>
       <p:sp>
@@ -4211,7 +4231,7 @@
         <p:spPr>
           <a:xfrm>
             <a:off x="241181" y="2563140"/>
-            <a:ext cx="2571798" cy="1339767"/>
+            <a:ext cx="2571798" cy="1556486"/>
           </a:xfrm>
           <a:prstGeom prst="rect">
             <a:avLst/>
@@ -4258,8 +4278,8 @@
         </p:nvSpPr>
         <p:spPr>
           <a:xfrm>
-            <a:off x="6846325" y="4668825"/>
-            <a:ext cx="2571798" cy="1339767"/>
+            <a:off x="3637716" y="4666652"/>
+            <a:ext cx="2571798" cy="1540965"/>
           </a:xfrm>
           <a:prstGeom prst="rect">
             <a:avLst/>
@@ -4307,7 +4327,7 @@
         <p:spPr>
           <a:xfrm>
             <a:off x="267084" y="4666652"/>
-            <a:ext cx="2571798" cy="1339767"/>
+            <a:ext cx="2571798" cy="1540965"/>
           </a:xfrm>
           <a:prstGeom prst="rect">
             <a:avLst/>
@@ -4354,8 +4374,8 @@
         </p:nvSpPr>
         <p:spPr>
           <a:xfrm>
-            <a:off x="6846325" y="2566265"/>
-            <a:ext cx="2571798" cy="1339767"/>
+            <a:off x="3643310" y="2561937"/>
+            <a:ext cx="2571798" cy="1558891"/>
           </a:xfrm>
           <a:prstGeom prst="rect">
             <a:avLst/>
@@ -4402,7 +4422,7 @@
         </p:nvSpPr>
         <p:spPr>
           <a:xfrm rot="20774216">
-            <a:off x="1066411" y="3215869"/>
+            <a:off x="1066409" y="3484730"/>
             <a:ext cx="1719607" cy="434188"/>
           </a:xfrm>
           <a:prstGeom prst="roundRect">
@@ -4442,7 +4462,7 @@
         </p:nvSpPr>
         <p:spPr>
           <a:xfrm rot="20774216">
-            <a:off x="7671556" y="3241230"/>
+            <a:off x="4471766" y="5583691"/>
             <a:ext cx="1719607" cy="434188"/>
           </a:xfrm>
           <a:prstGeom prst="roundRect">
@@ -4482,7 +4502,7 @@
         </p:nvSpPr>
         <p:spPr>
           <a:xfrm rot="20774216">
-            <a:off x="7671555" y="5344742"/>
+            <a:off x="4477361" y="3401874"/>
             <a:ext cx="1719607" cy="434188"/>
           </a:xfrm>
           <a:prstGeom prst="roundRect">
@@ -4554,6 +4574,458 @@
           </a:p>
         </p:txBody>
       </p:sp>
+      <p:sp>
+        <p:nvSpPr>
+          <p:cNvPr id="29" name="Rektangel 28"/>
+          <p:cNvSpPr/>
+          <p:nvPr/>
+        </p:nvSpPr>
+        <p:spPr>
+          <a:xfrm>
+            <a:off x="6964258" y="4666652"/>
+            <a:ext cx="2571798" cy="1540965"/>
+          </a:xfrm>
+          <a:prstGeom prst="rect">
+            <a:avLst/>
+          </a:prstGeom>
+          <a:solidFill>
+            <a:schemeClr val="tx2">
+              <a:lumMod val="75000"/>
+            </a:schemeClr>
+          </a:solidFill>
+          <a:ln>
+            <a:noFill/>
+          </a:ln>
+        </p:spPr>
+        <p:style>
+          <a:lnRef idx="2">
+            <a:schemeClr val="accent1">
+              <a:shade val="50000"/>
+            </a:schemeClr>
+          </a:lnRef>
+          <a:fillRef idx="1">
+            <a:schemeClr val="accent1"/>
+          </a:fillRef>
+          <a:effectRef idx="0">
+            <a:schemeClr val="accent1"/>
+          </a:effectRef>
+          <a:fontRef idx="minor">
+            <a:schemeClr val="lt1"/>
+          </a:fontRef>
+        </p:style>
+        <p:txBody>
+          <a:bodyPr rtlCol="0" anchor="ctr"/>
+          <a:lstStyle/>
+          <a:p>
+            <a:pPr algn="ctr"/>
+            <a:endParaRPr lang="sv-SE"/>
+          </a:p>
+        </p:txBody>
+      </p:sp>
+      <p:sp>
+        <p:nvSpPr>
+          <p:cNvPr id="30" name="Rektangel 29"/>
+          <p:cNvSpPr/>
+          <p:nvPr/>
+        </p:nvSpPr>
+        <p:spPr>
+          <a:xfrm>
+            <a:off x="6964258" y="2563140"/>
+            <a:ext cx="2571798" cy="1556486"/>
+          </a:xfrm>
+          <a:prstGeom prst="rect">
+            <a:avLst/>
+          </a:prstGeom>
+          <a:solidFill>
+            <a:schemeClr val="tx2">
+              <a:lumMod val="75000"/>
+            </a:schemeClr>
+          </a:solidFill>
+          <a:ln>
+            <a:noFill/>
+          </a:ln>
+        </p:spPr>
+        <p:style>
+          <a:lnRef idx="2">
+            <a:schemeClr val="accent1">
+              <a:shade val="50000"/>
+            </a:schemeClr>
+          </a:lnRef>
+          <a:fillRef idx="1">
+            <a:schemeClr val="accent1"/>
+          </a:fillRef>
+          <a:effectRef idx="0">
+            <a:schemeClr val="accent1"/>
+          </a:effectRef>
+          <a:fontRef idx="minor">
+            <a:schemeClr val="lt1"/>
+          </a:fontRef>
+        </p:style>
+        <p:txBody>
+          <a:bodyPr rtlCol="0" anchor="ctr"/>
+          <a:lstStyle/>
+          <a:p>
+            <a:pPr algn="ctr"/>
+            <a:endParaRPr lang="sv-SE"/>
+          </a:p>
+        </p:txBody>
+      </p:sp>
+      <p:sp>
+        <p:nvSpPr>
+          <p:cNvPr id="31" name="Rektangel med rundade hörn 30"/>
+          <p:cNvSpPr/>
+          <p:nvPr/>
+        </p:nvSpPr>
+        <p:spPr>
+          <a:xfrm rot="20774216">
+            <a:off x="7781233" y="5273261"/>
+            <a:ext cx="1719607" cy="434188"/>
+          </a:xfrm>
+          <a:prstGeom prst="roundRect">
+            <a:avLst/>
+          </a:prstGeom>
+        </p:spPr>
+        <p:style>
+          <a:lnRef idx="2">
+            <a:schemeClr val="accent1">
+              <a:shade val="50000"/>
+            </a:schemeClr>
+          </a:lnRef>
+          <a:fillRef idx="1">
+            <a:schemeClr val="accent1"/>
+          </a:fillRef>
+          <a:effectRef idx="0">
+            <a:schemeClr val="accent1"/>
+          </a:effectRef>
+          <a:fontRef idx="minor">
+            <a:schemeClr val="lt1"/>
+          </a:fontRef>
+        </p:style>
+        <p:txBody>
+          <a:bodyPr rtlCol="0" anchor="ctr"/>
+          <a:lstStyle/>
+          <a:p>
+            <a:pPr algn="ctr"/>
+            <a:endParaRPr lang="sv-SE"/>
+          </a:p>
+        </p:txBody>
+      </p:sp>
+      <p:sp>
+        <p:nvSpPr>
+          <p:cNvPr id="32" name="Rektangel med rundade hörn 31"/>
+          <p:cNvSpPr/>
+          <p:nvPr/>
+        </p:nvSpPr>
+        <p:spPr>
+          <a:xfrm rot="20774216">
+            <a:off x="7789487" y="3484730"/>
+            <a:ext cx="1719607" cy="434188"/>
+          </a:xfrm>
+          <a:prstGeom prst="roundRect">
+            <a:avLst/>
+          </a:prstGeom>
+        </p:spPr>
+        <p:style>
+          <a:lnRef idx="2">
+            <a:schemeClr val="accent1">
+              <a:shade val="50000"/>
+            </a:schemeClr>
+          </a:lnRef>
+          <a:fillRef idx="1">
+            <a:schemeClr val="accent1"/>
+          </a:fillRef>
+          <a:effectRef idx="0">
+            <a:schemeClr val="accent1"/>
+          </a:effectRef>
+          <a:fontRef idx="minor">
+            <a:schemeClr val="lt1"/>
+          </a:fontRef>
+        </p:style>
+        <p:txBody>
+          <a:bodyPr rtlCol="0" anchor="ctr"/>
+          <a:lstStyle/>
+          <a:p>
+            <a:pPr algn="ctr"/>
+            <a:endParaRPr lang="sv-SE"/>
+          </a:p>
+        </p:txBody>
+      </p:sp>
+      <p:sp>
+        <p:nvSpPr>
+          <p:cNvPr id="10" name="Rektangel 9"/>
+          <p:cNvSpPr/>
+          <p:nvPr/>
+        </p:nvSpPr>
+        <p:spPr>
+          <a:xfrm>
+            <a:off x="2958110" y="588911"/>
+            <a:ext cx="2563700" cy="485107"/>
+          </a:xfrm>
+          <a:prstGeom prst="rect">
+            <a:avLst/>
+          </a:prstGeom>
+          <a:solidFill>
+            <a:schemeClr val="bg1">
+              <a:lumMod val="95000"/>
+            </a:schemeClr>
+          </a:solidFill>
+          <a:ln>
+            <a:noFill/>
+          </a:ln>
+        </p:spPr>
+        <p:style>
+          <a:lnRef idx="2">
+            <a:schemeClr val="accent1">
+              <a:shade val="50000"/>
+            </a:schemeClr>
+          </a:lnRef>
+          <a:fillRef idx="1">
+            <a:schemeClr val="accent1"/>
+          </a:fillRef>
+          <a:effectRef idx="0">
+            <a:schemeClr val="accent1"/>
+          </a:effectRef>
+          <a:fontRef idx="minor">
+            <a:schemeClr val="lt1"/>
+          </a:fontRef>
+        </p:style>
+        <p:txBody>
+          <a:bodyPr rtlCol="0" anchor="ctr"/>
+          <a:lstStyle/>
+          <a:p>
+            <a:pPr algn="ctr"/>
+            <a:endParaRPr lang="sv-SE"/>
+          </a:p>
+        </p:txBody>
+      </p:sp>
+      <p:sp>
+        <p:nvSpPr>
+          <p:cNvPr id="16" name="textruta 15"/>
+          <p:cNvSpPr txBox="1"/>
+          <p:nvPr/>
+        </p:nvSpPr>
+        <p:spPr>
+          <a:xfrm>
+            <a:off x="1143473" y="2714629"/>
+            <a:ext cx="853239" cy="369332"/>
+          </a:xfrm>
+          <a:prstGeom prst="rect">
+            <a:avLst/>
+          </a:prstGeom>
+          <a:noFill/>
+        </p:spPr>
+        <p:txBody>
+          <a:bodyPr wrap="square" rtlCol="0">
+            <a:spAutoFit/>
+          </a:bodyPr>
+          <a:lstStyle/>
+          <a:p>
+            <a:r>
+              <a:rPr lang="sv-SE" dirty="0" smtClean="0">
+                <a:solidFill>
+                  <a:schemeClr val="bg1"/>
+                </a:solidFill>
+              </a:rPr>
+              <a:t>Cancer</a:t>
+            </a:r>
+            <a:endParaRPr lang="sv-SE" dirty="0">
+              <a:solidFill>
+                <a:schemeClr val="bg1"/>
+              </a:solidFill>
+            </a:endParaRPr>
+          </a:p>
+        </p:txBody>
+      </p:sp>
+      <p:sp>
+        <p:nvSpPr>
+          <p:cNvPr id="17" name="textruta 16"/>
+          <p:cNvSpPr txBox="1"/>
+          <p:nvPr/>
+        </p:nvSpPr>
+        <p:spPr>
+          <a:xfrm>
+            <a:off x="4187087" y="2762637"/>
+            <a:ext cx="1695148" cy="369332"/>
+          </a:xfrm>
+          <a:prstGeom prst="rect">
+            <a:avLst/>
+          </a:prstGeom>
+          <a:noFill/>
+        </p:spPr>
+        <p:txBody>
+          <a:bodyPr wrap="square" rtlCol="0">
+            <a:spAutoFit/>
+          </a:bodyPr>
+          <a:lstStyle/>
+          <a:p>
+            <a:r>
+              <a:rPr lang="sv-SE" dirty="0" smtClean="0">
+                <a:solidFill>
+                  <a:schemeClr val="bg1"/>
+                </a:solidFill>
+              </a:rPr>
+              <a:t>Hiv/Aids</a:t>
+            </a:r>
+            <a:endParaRPr lang="sv-SE" dirty="0">
+              <a:solidFill>
+                <a:schemeClr val="bg1"/>
+              </a:solidFill>
+            </a:endParaRPr>
+          </a:p>
+        </p:txBody>
+      </p:sp>
+      <p:sp>
+        <p:nvSpPr>
+          <p:cNvPr id="18" name="textruta 17"/>
+          <p:cNvSpPr txBox="1"/>
+          <p:nvPr/>
+        </p:nvSpPr>
+        <p:spPr>
+          <a:xfrm>
+            <a:off x="7431715" y="2698079"/>
+            <a:ext cx="1581880" cy="369332"/>
+          </a:xfrm>
+          <a:prstGeom prst="rect">
+            <a:avLst/>
+          </a:prstGeom>
+          <a:noFill/>
+        </p:spPr>
+        <p:txBody>
+          <a:bodyPr wrap="square" rtlCol="0">
+            <a:spAutoFit/>
+          </a:bodyPr>
+          <a:lstStyle/>
+          <a:p>
+            <a:r>
+              <a:rPr lang="sv-SE" dirty="0" smtClean="0">
+                <a:solidFill>
+                  <a:schemeClr val="bg1"/>
+                </a:solidFill>
+              </a:rPr>
+              <a:t>Klamydia</a:t>
+            </a:r>
+            <a:endParaRPr lang="sv-SE" dirty="0">
+              <a:solidFill>
+                <a:schemeClr val="bg1"/>
+              </a:solidFill>
+            </a:endParaRPr>
+          </a:p>
+        </p:txBody>
+      </p:sp>
+      <p:sp>
+        <p:nvSpPr>
+          <p:cNvPr id="19" name="textruta 18"/>
+          <p:cNvSpPr txBox="1"/>
+          <p:nvPr/>
+        </p:nvSpPr>
+        <p:spPr>
+          <a:xfrm>
+            <a:off x="777221" y="4777732"/>
+            <a:ext cx="1632272" cy="369332"/>
+          </a:xfrm>
+          <a:prstGeom prst="rect">
+            <a:avLst/>
+          </a:prstGeom>
+          <a:noFill/>
+        </p:spPr>
+        <p:txBody>
+          <a:bodyPr wrap="square" rtlCol="0">
+            <a:spAutoFit/>
+          </a:bodyPr>
+          <a:lstStyle/>
+          <a:p>
+            <a:r>
+              <a:rPr lang="sv-SE" dirty="0" smtClean="0">
+                <a:solidFill>
+                  <a:schemeClr val="bg1"/>
+                </a:solidFill>
+              </a:rPr>
+              <a:t>Digerdöden</a:t>
+            </a:r>
+            <a:endParaRPr lang="sv-SE" dirty="0">
+              <a:solidFill>
+                <a:schemeClr val="bg1"/>
+              </a:solidFill>
+            </a:endParaRPr>
+          </a:p>
+        </p:txBody>
+      </p:sp>
+      <p:sp>
+        <p:nvSpPr>
+          <p:cNvPr id="20" name="textruta 19"/>
+          <p:cNvSpPr txBox="1"/>
+          <p:nvPr/>
+        </p:nvSpPr>
+        <p:spPr>
+          <a:xfrm>
+            <a:off x="4037428" y="4777732"/>
+            <a:ext cx="1545408" cy="369332"/>
+          </a:xfrm>
+          <a:prstGeom prst="rect">
+            <a:avLst/>
+          </a:prstGeom>
+          <a:noFill/>
+        </p:spPr>
+        <p:txBody>
+          <a:bodyPr wrap="square" rtlCol="0">
+            <a:spAutoFit/>
+          </a:bodyPr>
+          <a:lstStyle/>
+          <a:p>
+            <a:r>
+              <a:rPr lang="sv-SE" dirty="0" smtClean="0">
+                <a:solidFill>
+                  <a:schemeClr val="bg1"/>
+                </a:solidFill>
+              </a:rPr>
+              <a:t>Herpes</a:t>
+            </a:r>
+            <a:endParaRPr lang="sv-SE" dirty="0">
+              <a:solidFill>
+                <a:schemeClr val="bg1"/>
+              </a:solidFill>
+            </a:endParaRPr>
+          </a:p>
+        </p:txBody>
+      </p:sp>
+      <p:sp>
+        <p:nvSpPr>
+          <p:cNvPr id="21" name="textruta 20"/>
+          <p:cNvSpPr txBox="1"/>
+          <p:nvPr/>
+        </p:nvSpPr>
+        <p:spPr>
+          <a:xfrm>
+            <a:off x="7174271" y="4777732"/>
+            <a:ext cx="2230460" cy="369332"/>
+          </a:xfrm>
+          <a:prstGeom prst="rect">
+            <a:avLst/>
+          </a:prstGeom>
+          <a:noFill/>
+        </p:spPr>
+        <p:txBody>
+          <a:bodyPr wrap="square" rtlCol="0">
+            <a:spAutoFit/>
+          </a:bodyPr>
+          <a:lstStyle/>
+          <a:p>
+            <a:r>
+              <a:rPr lang="sv-SE" dirty="0">
+                <a:solidFill>
+                  <a:schemeClr val="bg1"/>
+                </a:solidFill>
+              </a:rPr>
+              <a:t>Kyasanur Forest Virus</a:t>
+            </a:r>
+            <a:endParaRPr lang="sv-SE" dirty="0">
+              <a:solidFill>
+                <a:schemeClr val="bg1"/>
+              </a:solidFill>
+            </a:endParaRPr>
+          </a:p>
+        </p:txBody>
+      </p:sp>
     </p:spTree>
     <p:extLst>
       <p:ext uri="{BB962C8B-B14F-4D97-AF65-F5344CB8AC3E}">
@@ -4564,6 +5036,13 @@
   <p:clrMapOvr>
     <a:masterClrMapping/>
   </p:clrMapOvr>
+  <p:timing>
+    <p:tnLst>
+      <p:par>
+        <p:cTn id="1" dur="indefinite" restart="never" nodeType="tmRoot"/>
+      </p:par>
+    </p:tnLst>
+  </p:timing>
 </p:sld>
 </file>
 
